--- a/Web Development.pptx
+++ b/Web Development.pptx
@@ -8,6 +8,8 @@
     <p:sldId id="256" r:id="rId2"/>
     <p:sldId id="257" r:id="rId3"/>
     <p:sldId id="258" r:id="rId4"/>
+    <p:sldId id="259" r:id="rId5"/>
+    <p:sldId id="260" r:id="rId6"/>
   </p:sldIdLst>
   <p:sldSz cx="12192000" cy="6858000"/>
   <p:notesSz cx="6858000" cy="9144000"/>
@@ -3481,10 +3483,10 @@
               <a:t>Download &amp; Install </a:t>
             </a:r>
             <a:r>
-              <a:rPr lang="en-US" dirty="0" err="1">
+              <a:rPr lang="en-US" dirty="0">
                 <a:hlinkClick r:id="rId2"/>
               </a:rPr>
-              <a:t>PhpStorm</a:t>
+              <a:t>Docker Desktop</a:t>
             </a:r>
             <a:endParaRPr lang="en-US" dirty="0"/>
           </a:p>
@@ -3497,7 +3499,7 @@
               <a:rPr lang="en-US" dirty="0">
                 <a:hlinkClick r:id="rId3"/>
               </a:rPr>
-              <a:t>Docker Desktop</a:t>
+              <a:t>Visual Studio Code</a:t>
             </a:r>
             <a:endParaRPr lang="en-US" dirty="0"/>
           </a:p>
@@ -3507,7 +3509,7 @@
               <a:t>Create </a:t>
             </a:r>
             <a:r>
-              <a:rPr lang="en-US" dirty="0" err="1">
+              <a:rPr lang="en-US" dirty="0">
                 <a:hlinkClick r:id="rId4"/>
               </a:rPr>
               <a:t>Github.com</a:t>
@@ -3557,7 +3559,7 @@
           <p:cNvPr id="2" name="Title 1">
             <a:extLst>
               <a:ext uri="{FF2B5EF4-FFF2-40B4-BE49-F238E27FC236}">
-                <a16:creationId xmlns:a16="http://schemas.microsoft.com/office/drawing/2014/main" id="{16F25139-5C5D-1804-89AD-8652481CEB4F}"/>
+                <a16:creationId xmlns:a16="http://schemas.microsoft.com/office/drawing/2014/main" id="{FBCAA70E-42B5-EC68-A81F-53B8396C387C}"/>
               </a:ext>
             </a:extLst>
           </p:cNvPr>
@@ -3573,39 +3575,479 @@
           <a:bodyPr/>
           <a:lstStyle/>
           <a:p>
-            <a:endParaRPr lang="en-US"/>
-          </a:p>
-        </p:txBody>
-      </p:sp>
-      <p:sp>
-        <p:nvSpPr>
-          <p:cNvPr id="3" name="Content Placeholder 2">
-            <a:extLst>
-              <a:ext uri="{FF2B5EF4-FFF2-40B4-BE49-F238E27FC236}">
-                <a16:creationId xmlns:a16="http://schemas.microsoft.com/office/drawing/2014/main" id="{75807B0B-4289-92BB-675A-20CC1BAC8181}"/>
-              </a:ext>
-            </a:extLst>
-          </p:cNvPr>
-          <p:cNvSpPr>
-            <a:spLocks noGrp="1"/>
-          </p:cNvSpPr>
+            <a:r>
+              <a:rPr lang="en-US" dirty="0"/>
+              <a:t>Docker plugin</a:t>
+            </a:r>
+          </a:p>
+        </p:txBody>
+      </p:sp>
+      <p:pic>
+        <p:nvPicPr>
+          <p:cNvPr id="5" name="Content Placeholder 4" descr="A screenshot of a computer&#10;&#10;Description automatically generated">
+            <a:extLst>
+              <a:ext uri="{FF2B5EF4-FFF2-40B4-BE49-F238E27FC236}">
+                <a16:creationId xmlns:a16="http://schemas.microsoft.com/office/drawing/2014/main" id="{FFE0BD4E-7203-7283-FA92-8F6A06FFA116}"/>
+              </a:ext>
+            </a:extLst>
+          </p:cNvPr>
+          <p:cNvPicPr>
+            <a:picLocks noGrp="1" noChangeAspect="1"/>
+          </p:cNvPicPr>
           <p:nvPr>
             <p:ph idx="1"/>
           </p:nvPr>
-        </p:nvSpPr>
-        <p:spPr/>
-        <p:txBody>
-          <a:bodyPr/>
-          <a:lstStyle/>
-          <a:p>
-            <a:endParaRPr lang="en-US"/>
+        </p:nvPicPr>
+        <p:blipFill>
+          <a:blip r:embed="rId2"/>
+          <a:stretch>
+            <a:fillRect/>
+          </a:stretch>
+        </p:blipFill>
+        <p:spPr>
+          <a:xfrm>
+            <a:off x="838200" y="1690688"/>
+            <a:ext cx="6722470" cy="4351338"/>
+          </a:xfrm>
+        </p:spPr>
+      </p:pic>
+      <p:sp>
+        <p:nvSpPr>
+          <p:cNvPr id="6" name="TextBox 5">
+            <a:extLst>
+              <a:ext uri="{FF2B5EF4-FFF2-40B4-BE49-F238E27FC236}">
+                <a16:creationId xmlns:a16="http://schemas.microsoft.com/office/drawing/2014/main" id="{7530F210-957B-FFF0-CE4C-0F81F6FD680C}"/>
+              </a:ext>
+            </a:extLst>
+          </p:cNvPr>
+          <p:cNvSpPr txBox="1"/>
+          <p:nvPr/>
+        </p:nvSpPr>
+        <p:spPr>
+          <a:xfrm>
+            <a:off x="7560670" y="2075935"/>
+            <a:ext cx="4489179" cy="1477328"/>
+          </a:xfrm>
+          <a:prstGeom prst="rect">
+            <a:avLst/>
+          </a:prstGeom>
+          <a:noFill/>
+        </p:spPr>
+        <p:txBody>
+          <a:bodyPr wrap="square" rtlCol="0">
+            <a:spAutoFit/>
+          </a:bodyPr>
+          <a:lstStyle/>
+          <a:p>
+            <a:pPr marL="285750" indent="-285750">
+              <a:buFont typeface="Arial" panose="020B0604020202020204" pitchFamily="34" charset="0"/>
+              <a:buChar char="•"/>
+            </a:pPr>
+            <a:r>
+              <a:rPr lang="en-US" dirty="0"/>
+              <a:t>On the toolbar, click on ‘Extensions’</a:t>
+            </a:r>
+          </a:p>
+          <a:p>
+            <a:pPr marL="285750" indent="-285750">
+              <a:buFont typeface="Arial" panose="020B0604020202020204" pitchFamily="34" charset="0"/>
+              <a:buChar char="•"/>
+            </a:pPr>
+            <a:r>
+              <a:rPr lang="en-US" dirty="0"/>
+              <a:t>Search for ‘Docker’ and click ‘install’</a:t>
+            </a:r>
+          </a:p>
+          <a:p>
+            <a:pPr marL="285750" indent="-285750">
+              <a:buFont typeface="Arial" panose="020B0604020202020204" pitchFamily="34" charset="0"/>
+              <a:buChar char="•"/>
+            </a:pPr>
+            <a:endParaRPr lang="en-US" dirty="0"/>
+          </a:p>
+          <a:p>
+            <a:endParaRPr lang="en-US" dirty="0"/>
+          </a:p>
+          <a:p>
+            <a:endParaRPr lang="en-US" dirty="0"/>
           </a:p>
         </p:txBody>
       </p:sp>
     </p:spTree>
     <p:extLst>
       <p:ext uri="{BB962C8B-B14F-4D97-AF65-F5344CB8AC3E}">
-        <p14:creationId xmlns:p14="http://schemas.microsoft.com/office/powerpoint/2010/main" val="1841593582"/>
+        <p14:creationId xmlns:p14="http://schemas.microsoft.com/office/powerpoint/2010/main" val="4163609102"/>
+      </p:ext>
+    </p:extLst>
+  </p:cSld>
+  <p:clrMapOvr>
+    <a:masterClrMapping/>
+  </p:clrMapOvr>
+</p:sld>
+</file>
+
+<file path=ppt/slides/slide4.xml><?xml version="1.0" encoding="utf-8"?>
+<p:sld xmlns:a="http://schemas.openxmlformats.org/drawingml/2006/main" xmlns:r="http://schemas.openxmlformats.org/officeDocument/2006/relationships" xmlns:p="http://schemas.openxmlformats.org/presentationml/2006/main">
+  <p:cSld>
+    <p:spTree>
+      <p:nvGrpSpPr>
+        <p:cNvPr id="1" name=""/>
+        <p:cNvGrpSpPr/>
+        <p:nvPr/>
+      </p:nvGrpSpPr>
+      <p:grpSpPr>
+        <a:xfrm>
+          <a:off x="0" y="0"/>
+          <a:ext cx="0" cy="0"/>
+          <a:chOff x="0" y="0"/>
+          <a:chExt cx="0" cy="0"/>
+        </a:xfrm>
+      </p:grpSpPr>
+      <p:sp>
+        <p:nvSpPr>
+          <p:cNvPr id="2" name="Title 1">
+            <a:extLst>
+              <a:ext uri="{FF2B5EF4-FFF2-40B4-BE49-F238E27FC236}">
+                <a16:creationId xmlns:a16="http://schemas.microsoft.com/office/drawing/2014/main" id="{FC44EC4D-43E0-84BB-2DC2-4FBD694991CA}"/>
+              </a:ext>
+            </a:extLst>
+          </p:cNvPr>
+          <p:cNvSpPr>
+            <a:spLocks noGrp="1"/>
+          </p:cNvSpPr>
+          <p:nvPr>
+            <p:ph type="title"/>
+          </p:nvPr>
+        </p:nvSpPr>
+        <p:spPr/>
+        <p:txBody>
+          <a:bodyPr/>
+          <a:lstStyle/>
+          <a:p>
+            <a:r>
+              <a:rPr lang="en-US" dirty="0"/>
+              <a:t>Clone repository</a:t>
+            </a:r>
+          </a:p>
+        </p:txBody>
+      </p:sp>
+      <p:pic>
+        <p:nvPicPr>
+          <p:cNvPr id="7" name="Content Placeholder 6" descr="A screenshot of a computer&#10;&#10;Description automatically generated">
+            <a:extLst>
+              <a:ext uri="{FF2B5EF4-FFF2-40B4-BE49-F238E27FC236}">
+                <a16:creationId xmlns:a16="http://schemas.microsoft.com/office/drawing/2014/main" id="{B231D93D-5F54-9ECB-0EEE-AAE209A6CEB3}"/>
+              </a:ext>
+            </a:extLst>
+          </p:cNvPr>
+          <p:cNvPicPr>
+            <a:picLocks noGrp="1" noChangeAspect="1"/>
+          </p:cNvPicPr>
+          <p:nvPr>
+            <p:ph idx="1"/>
+          </p:nvPr>
+        </p:nvPicPr>
+        <p:blipFill>
+          <a:blip r:embed="rId2"/>
+          <a:stretch>
+            <a:fillRect/>
+          </a:stretch>
+        </p:blipFill>
+        <p:spPr>
+          <a:xfrm>
+            <a:off x="530087" y="1690688"/>
+            <a:ext cx="5940849" cy="3845408"/>
+          </a:xfrm>
+        </p:spPr>
+      </p:pic>
+      <p:sp>
+        <p:nvSpPr>
+          <p:cNvPr id="8" name="TextBox 7">
+            <a:extLst>
+              <a:ext uri="{FF2B5EF4-FFF2-40B4-BE49-F238E27FC236}">
+                <a16:creationId xmlns:a16="http://schemas.microsoft.com/office/drawing/2014/main" id="{D5F33DD0-5D2B-FBDC-D1A5-0C9137C159D0}"/>
+              </a:ext>
+            </a:extLst>
+          </p:cNvPr>
+          <p:cNvSpPr txBox="1"/>
+          <p:nvPr/>
+        </p:nvSpPr>
+        <p:spPr>
+          <a:xfrm>
+            <a:off x="6470937" y="2323070"/>
+            <a:ext cx="5403908" cy="1200329"/>
+          </a:xfrm>
+          <a:prstGeom prst="rect">
+            <a:avLst/>
+          </a:prstGeom>
+          <a:noFill/>
+        </p:spPr>
+        <p:txBody>
+          <a:bodyPr wrap="square" rtlCol="0">
+            <a:spAutoFit/>
+          </a:bodyPr>
+          <a:lstStyle/>
+          <a:p>
+            <a:pPr marL="285750" indent="-285750">
+              <a:buFont typeface="Arial" panose="020B0604020202020204" pitchFamily="34" charset="0"/>
+              <a:buChar char="•"/>
+            </a:pPr>
+            <a:r>
+              <a:rPr lang="en-US" dirty="0"/>
+              <a:t>On the toolbar, click on ‘Explorer’, then, ‘Clone Repository’</a:t>
+            </a:r>
+          </a:p>
+          <a:p>
+            <a:pPr marL="285750" indent="-285750">
+              <a:buFont typeface="Arial" panose="020B0604020202020204" pitchFamily="34" charset="0"/>
+              <a:buChar char="•"/>
+            </a:pPr>
+            <a:r>
+              <a:rPr lang="en-US" dirty="0"/>
+              <a:t>Enter ‘https://</a:t>
+            </a:r>
+            <a:r>
+              <a:rPr lang="en-US" dirty="0" err="1"/>
+              <a:t>github.com</a:t>
+            </a:r>
+            <a:r>
+              <a:rPr lang="en-US" dirty="0"/>
+              <a:t>/</a:t>
+            </a:r>
+            <a:r>
+              <a:rPr lang="en-US" dirty="0" err="1"/>
+              <a:t>mlindhout</a:t>
+            </a:r>
+            <a:r>
+              <a:rPr lang="en-US" dirty="0"/>
+              <a:t>/</a:t>
+            </a:r>
+            <a:r>
+              <a:rPr lang="en-US" dirty="0" err="1"/>
+              <a:t>webdev</a:t>
+            </a:r>
+            <a:r>
+              <a:rPr lang="en-US" dirty="0"/>
+              <a:t>’</a:t>
+            </a:r>
+          </a:p>
+          <a:p>
+            <a:pPr marL="285750" indent="-285750">
+              <a:buFont typeface="Arial" panose="020B0604020202020204" pitchFamily="34" charset="0"/>
+              <a:buChar char="•"/>
+            </a:pPr>
+            <a:r>
+              <a:rPr lang="en-US" dirty="0"/>
+              <a:t>Click on ‘Open’ when asked to open window</a:t>
+            </a:r>
+          </a:p>
+        </p:txBody>
+      </p:sp>
+    </p:spTree>
+    <p:extLst>
+      <p:ext uri="{BB962C8B-B14F-4D97-AF65-F5344CB8AC3E}">
+        <p14:creationId xmlns:p14="http://schemas.microsoft.com/office/powerpoint/2010/main" val="1972629347"/>
+      </p:ext>
+    </p:extLst>
+  </p:cSld>
+  <p:clrMapOvr>
+    <a:masterClrMapping/>
+  </p:clrMapOvr>
+</p:sld>
+</file>
+
+<file path=ppt/slides/slide5.xml><?xml version="1.0" encoding="utf-8"?>
+<p:sld xmlns:a="http://schemas.openxmlformats.org/drawingml/2006/main" xmlns:r="http://schemas.openxmlformats.org/officeDocument/2006/relationships" xmlns:p="http://schemas.openxmlformats.org/presentationml/2006/main">
+  <p:cSld>
+    <p:spTree>
+      <p:nvGrpSpPr>
+        <p:cNvPr id="1" name=""/>
+        <p:cNvGrpSpPr/>
+        <p:nvPr/>
+      </p:nvGrpSpPr>
+      <p:grpSpPr>
+        <a:xfrm>
+          <a:off x="0" y="0"/>
+          <a:ext cx="0" cy="0"/>
+          <a:chOff x="0" y="0"/>
+          <a:chExt cx="0" cy="0"/>
+        </a:xfrm>
+      </p:grpSpPr>
+      <p:sp>
+        <p:nvSpPr>
+          <p:cNvPr id="2" name="Title 1">
+            <a:extLst>
+              <a:ext uri="{FF2B5EF4-FFF2-40B4-BE49-F238E27FC236}">
+                <a16:creationId xmlns:a16="http://schemas.microsoft.com/office/drawing/2014/main" id="{A01CA51F-52A7-AD27-62BF-A613FB82C3EF}"/>
+              </a:ext>
+            </a:extLst>
+          </p:cNvPr>
+          <p:cNvSpPr>
+            <a:spLocks noGrp="1"/>
+          </p:cNvSpPr>
+          <p:nvPr>
+            <p:ph type="title"/>
+          </p:nvPr>
+        </p:nvSpPr>
+        <p:spPr/>
+        <p:txBody>
+          <a:bodyPr/>
+          <a:lstStyle/>
+          <a:p>
+            <a:endParaRPr lang="en-US"/>
+          </a:p>
+        </p:txBody>
+      </p:sp>
+      <p:pic>
+        <p:nvPicPr>
+          <p:cNvPr id="5" name="Content Placeholder 4" descr="A screenshot of a computer&#10;&#10;Description automatically generated">
+            <a:extLst>
+              <a:ext uri="{FF2B5EF4-FFF2-40B4-BE49-F238E27FC236}">
+                <a16:creationId xmlns:a16="http://schemas.microsoft.com/office/drawing/2014/main" id="{B1C23218-5678-262D-DB22-AF9C8A1EDA88}"/>
+              </a:ext>
+            </a:extLst>
+          </p:cNvPr>
+          <p:cNvPicPr>
+            <a:picLocks noGrp="1" noChangeAspect="1"/>
+          </p:cNvPicPr>
+          <p:nvPr>
+            <p:ph idx="1"/>
+          </p:nvPr>
+        </p:nvPicPr>
+        <p:blipFill>
+          <a:blip r:embed="rId2"/>
+          <a:stretch>
+            <a:fillRect/>
+          </a:stretch>
+        </p:blipFill>
+        <p:spPr>
+          <a:xfrm>
+            <a:off x="838200" y="1850339"/>
+            <a:ext cx="5121279" cy="4351338"/>
+          </a:xfrm>
+        </p:spPr>
+      </p:pic>
+      <p:sp>
+        <p:nvSpPr>
+          <p:cNvPr id="6" name="TextBox 5">
+            <a:extLst>
+              <a:ext uri="{FF2B5EF4-FFF2-40B4-BE49-F238E27FC236}">
+                <a16:creationId xmlns:a16="http://schemas.microsoft.com/office/drawing/2014/main" id="{829D14EF-296E-D2F6-1716-6774AF7E58EE}"/>
+              </a:ext>
+            </a:extLst>
+          </p:cNvPr>
+          <p:cNvSpPr txBox="1"/>
+          <p:nvPr/>
+        </p:nvSpPr>
+        <p:spPr>
+          <a:xfrm>
+            <a:off x="6400801" y="2236573"/>
+            <a:ext cx="5424616" cy="1754326"/>
+          </a:xfrm>
+          <a:prstGeom prst="rect">
+            <a:avLst/>
+          </a:prstGeom>
+          <a:noFill/>
+        </p:spPr>
+        <p:txBody>
+          <a:bodyPr wrap="square" rtlCol="0">
+            <a:spAutoFit/>
+          </a:bodyPr>
+          <a:lstStyle/>
+          <a:p>
+            <a:pPr marL="285750" indent="-285750">
+              <a:buFont typeface="Arial" panose="020B0604020202020204" pitchFamily="34" charset="0"/>
+              <a:buChar char="•"/>
+            </a:pPr>
+            <a:r>
+              <a:rPr lang="en-US" dirty="0"/>
+              <a:t>In the Explorer, left-click on docker-</a:t>
+            </a:r>
+            <a:r>
+              <a:rPr lang="en-US" dirty="0" err="1"/>
+              <a:t>compose.yml</a:t>
+            </a:r>
+            <a:r>
+              <a:rPr lang="en-US" dirty="0"/>
+              <a:t> and choose ‘Compose Up’</a:t>
+            </a:r>
+          </a:p>
+          <a:p>
+            <a:pPr marL="285750" indent="-285750">
+              <a:buFont typeface="Arial" panose="020B0604020202020204" pitchFamily="34" charset="0"/>
+              <a:buChar char="•"/>
+            </a:pPr>
+            <a:r>
+              <a:rPr lang="en-US" dirty="0"/>
+              <a:t>Notice what happens and wait for the green ‘Running’ message</a:t>
+            </a:r>
+          </a:p>
+          <a:p>
+            <a:pPr marL="285750" indent="-285750">
+              <a:buFont typeface="Arial" panose="020B0604020202020204" pitchFamily="34" charset="0"/>
+              <a:buChar char="•"/>
+            </a:pPr>
+            <a:r>
+              <a:rPr lang="en-US" dirty="0"/>
+              <a:t>Open </a:t>
+            </a:r>
+            <a:r>
+              <a:rPr lang="en-US" dirty="0">
+                <a:hlinkClick r:id="rId3"/>
+              </a:rPr>
+              <a:t>http://localhost</a:t>
+            </a:r>
+            <a:r>
+              <a:rPr lang="en-US" dirty="0"/>
+              <a:t> in your browser</a:t>
+            </a:r>
+          </a:p>
+          <a:p>
+            <a:pPr marL="285750" indent="-285750">
+              <a:buFont typeface="Arial" panose="020B0604020202020204" pitchFamily="34" charset="0"/>
+              <a:buChar char="•"/>
+            </a:pPr>
+            <a:r>
+              <a:rPr lang="en-US" dirty="0"/>
+              <a:t>You should see a message ‘Hello, world!’</a:t>
+            </a:r>
+          </a:p>
+        </p:txBody>
+      </p:sp>
+      <p:pic>
+        <p:nvPicPr>
+          <p:cNvPr id="8" name="Picture 7" descr="A computer screen with text and numbers&#10;&#10;Description automatically generated">
+            <a:extLst>
+              <a:ext uri="{FF2B5EF4-FFF2-40B4-BE49-F238E27FC236}">
+                <a16:creationId xmlns:a16="http://schemas.microsoft.com/office/drawing/2014/main" id="{567DD22A-87B6-C0F5-BCF2-399F54562B51}"/>
+              </a:ext>
+            </a:extLst>
+          </p:cNvPr>
+          <p:cNvPicPr>
+            <a:picLocks noChangeAspect="1"/>
+          </p:cNvPicPr>
+          <p:nvPr/>
+        </p:nvPicPr>
+        <p:blipFill>
+          <a:blip r:embed="rId4"/>
+          <a:stretch>
+            <a:fillRect/>
+          </a:stretch>
+        </p:blipFill>
+        <p:spPr>
+          <a:xfrm>
+            <a:off x="5293721" y="5147577"/>
+            <a:ext cx="6273800" cy="1054100"/>
+          </a:xfrm>
+          <a:prstGeom prst="rect">
+            <a:avLst/>
+          </a:prstGeom>
+        </p:spPr>
+      </p:pic>
+    </p:spTree>
+    <p:extLst>
+      <p:ext uri="{BB962C8B-B14F-4D97-AF65-F5344CB8AC3E}">
+        <p14:creationId xmlns:p14="http://schemas.microsoft.com/office/powerpoint/2010/main" val="372065096"/>
       </p:ext>
     </p:extLst>
   </p:cSld>

--- a/Web Development.pptx
+++ b/Web Development.pptx
@@ -10,6 +10,7 @@
     <p:sldId id="258" r:id="rId4"/>
     <p:sldId id="259" r:id="rId5"/>
     <p:sldId id="260" r:id="rId6"/>
+    <p:sldId id="261" r:id="rId7"/>
   </p:sldIdLst>
   <p:sldSz cx="12192000" cy="6858000"/>
   <p:notesSz cx="6858000" cy="9144000"/>
@@ -108,6 +109,11 @@
       </a:defRPr>
     </a:lvl9pPr>
   </p:defaultTextStyle>
+  <p:extLst>
+    <p:ext uri="{EFAFB233-063F-42B5-8137-9DF3F51BA10A}">
+      <p15:sldGuideLst xmlns:p15="http://schemas.microsoft.com/office/powerpoint/2012/main"/>
+    </p:ext>
+  </p:extLst>
 </p:presentation>
 </file>
 
@@ -4048,6 +4054,265 @@
     <p:extLst>
       <p:ext uri="{BB962C8B-B14F-4D97-AF65-F5344CB8AC3E}">
         <p14:creationId xmlns:p14="http://schemas.microsoft.com/office/powerpoint/2010/main" val="372065096"/>
+      </p:ext>
+    </p:extLst>
+  </p:cSld>
+  <p:clrMapOvr>
+    <a:masterClrMapping/>
+  </p:clrMapOvr>
+</p:sld>
+</file>
+
+<file path=ppt/slides/slide6.xml><?xml version="1.0" encoding="utf-8"?>
+<p:sld xmlns:a="http://schemas.openxmlformats.org/drawingml/2006/main" xmlns:r="http://schemas.openxmlformats.org/officeDocument/2006/relationships" xmlns:p="http://schemas.openxmlformats.org/presentationml/2006/main">
+  <p:cSld>
+    <p:spTree>
+      <p:nvGrpSpPr>
+        <p:cNvPr id="1" name=""/>
+        <p:cNvGrpSpPr/>
+        <p:nvPr/>
+      </p:nvGrpSpPr>
+      <p:grpSpPr>
+        <a:xfrm>
+          <a:off x="0" y="0"/>
+          <a:ext cx="0" cy="0"/>
+          <a:chOff x="0" y="0"/>
+          <a:chExt cx="0" cy="0"/>
+        </a:xfrm>
+      </p:grpSpPr>
+      <p:sp>
+        <p:nvSpPr>
+          <p:cNvPr id="2" name="Title 1">
+            <a:extLst>
+              <a:ext uri="{FF2B5EF4-FFF2-40B4-BE49-F238E27FC236}">
+                <a16:creationId xmlns:a16="http://schemas.microsoft.com/office/drawing/2014/main" id="{1B9D1E46-61C1-F317-0628-09F46E53FC2E}"/>
+              </a:ext>
+            </a:extLst>
+          </p:cNvPr>
+          <p:cNvSpPr>
+            <a:spLocks noGrp="1"/>
+          </p:cNvSpPr>
+          <p:nvPr>
+            <p:ph type="title"/>
+          </p:nvPr>
+        </p:nvSpPr>
+        <p:spPr/>
+        <p:txBody>
+          <a:bodyPr/>
+          <a:lstStyle/>
+          <a:p>
+            <a:r>
+              <a:rPr lang="en-US" dirty="0"/>
+              <a:t>Exercise 001</a:t>
+            </a:r>
+          </a:p>
+        </p:txBody>
+      </p:sp>
+      <p:pic>
+        <p:nvPicPr>
+          <p:cNvPr id="5" name="Content Placeholder 4" descr="A close-up of a note&#10;&#10;Description automatically generated">
+            <a:extLst>
+              <a:ext uri="{FF2B5EF4-FFF2-40B4-BE49-F238E27FC236}">
+                <a16:creationId xmlns:a16="http://schemas.microsoft.com/office/drawing/2014/main" id="{4C67EAB5-D011-754A-1136-B4B91EEB0893}"/>
+              </a:ext>
+            </a:extLst>
+          </p:cNvPr>
+          <p:cNvPicPr>
+            <a:picLocks noGrp="1" noChangeAspect="1"/>
+          </p:cNvPicPr>
+          <p:nvPr>
+            <p:ph idx="1"/>
+          </p:nvPr>
+        </p:nvPicPr>
+        <p:blipFill>
+          <a:blip r:embed="rId2"/>
+          <a:stretch>
+            <a:fillRect/>
+          </a:stretch>
+        </p:blipFill>
+        <p:spPr>
+          <a:xfrm>
+            <a:off x="6509951" y="1517650"/>
+            <a:ext cx="5029200" cy="3822700"/>
+          </a:xfrm>
+        </p:spPr>
+      </p:pic>
+      <p:sp>
+        <p:nvSpPr>
+          <p:cNvPr id="6" name="TextBox 5">
+            <a:extLst>
+              <a:ext uri="{FF2B5EF4-FFF2-40B4-BE49-F238E27FC236}">
+                <a16:creationId xmlns:a16="http://schemas.microsoft.com/office/drawing/2014/main" id="{6CF00E4A-B677-D550-3B6C-C7078BEFF1BC}"/>
+              </a:ext>
+            </a:extLst>
+          </p:cNvPr>
+          <p:cNvSpPr txBox="1"/>
+          <p:nvPr/>
+        </p:nvSpPr>
+        <p:spPr>
+          <a:xfrm>
+            <a:off x="838200" y="4740185"/>
+            <a:ext cx="5907002" cy="2031325"/>
+          </a:xfrm>
+          <a:prstGeom prst="rect">
+            <a:avLst/>
+          </a:prstGeom>
+          <a:noFill/>
+        </p:spPr>
+        <p:txBody>
+          <a:bodyPr wrap="none" rtlCol="0">
+            <a:spAutoFit/>
+          </a:bodyPr>
+          <a:lstStyle/>
+          <a:p>
+            <a:r>
+              <a:rPr lang="en-US" dirty="0"/>
+              <a:t>Learning resources</a:t>
+            </a:r>
+          </a:p>
+          <a:p>
+            <a:pPr marL="285750" indent="-285750">
+              <a:buFont typeface="Arial" panose="020B0604020202020204" pitchFamily="34" charset="0"/>
+              <a:buChar char="•"/>
+            </a:pPr>
+            <a:r>
+              <a:rPr lang="en-US" dirty="0">
+                <a:hlinkClick r:id="rId3"/>
+              </a:rPr>
+              <a:t>https://www.w3schools.com/html/html_intro.asp</a:t>
+            </a:r>
+            <a:endParaRPr lang="en-US" dirty="0"/>
+          </a:p>
+          <a:p>
+            <a:pPr marL="285750" indent="-285750">
+              <a:buFont typeface="Arial" panose="020B0604020202020204" pitchFamily="34" charset="0"/>
+              <a:buChar char="•"/>
+            </a:pPr>
+            <a:r>
+              <a:rPr lang="en-US" dirty="0">
+                <a:hlinkClick r:id="rId4"/>
+              </a:rPr>
+              <a:t>https://www.w3schools.com/html/html_basic.asp</a:t>
+            </a:r>
+            <a:endParaRPr lang="en-US" dirty="0"/>
+          </a:p>
+          <a:p>
+            <a:pPr marL="285750" indent="-285750">
+              <a:buFont typeface="Arial" panose="020B0604020202020204" pitchFamily="34" charset="0"/>
+              <a:buChar char="•"/>
+            </a:pPr>
+            <a:r>
+              <a:rPr lang="en-US" dirty="0">
+                <a:hlinkClick r:id="rId5"/>
+              </a:rPr>
+              <a:t>https://www.w3schools.com/html/html_elements.asp</a:t>
+            </a:r>
+            <a:endParaRPr lang="en-US" dirty="0"/>
+          </a:p>
+          <a:p>
+            <a:pPr marL="285750" indent="-285750">
+              <a:buFont typeface="Arial" panose="020B0604020202020204" pitchFamily="34" charset="0"/>
+              <a:buChar char="•"/>
+            </a:pPr>
+            <a:r>
+              <a:rPr lang="en-US" dirty="0">
+                <a:hlinkClick r:id="rId6"/>
+              </a:rPr>
+              <a:t>https://www.w3schools.com/html/html_attributes.asp</a:t>
+            </a:r>
+            <a:endParaRPr lang="en-US" dirty="0"/>
+          </a:p>
+          <a:p>
+            <a:pPr marL="285750" indent="-285750">
+              <a:buFont typeface="Arial" panose="020B0604020202020204" pitchFamily="34" charset="0"/>
+              <a:buChar char="•"/>
+            </a:pPr>
+            <a:r>
+              <a:rPr lang="en-US" dirty="0">
+                <a:hlinkClick r:id="rId7"/>
+              </a:rPr>
+              <a:t>https://www.w3schools.com/html/html_tables.asp</a:t>
+            </a:r>
+            <a:r>
+              <a:rPr lang="en-US" dirty="0"/>
+              <a:t> </a:t>
+            </a:r>
+          </a:p>
+          <a:p>
+            <a:endParaRPr lang="en-US" dirty="0"/>
+          </a:p>
+        </p:txBody>
+      </p:sp>
+      <p:sp>
+        <p:nvSpPr>
+          <p:cNvPr id="7" name="TextBox 6">
+            <a:extLst>
+              <a:ext uri="{FF2B5EF4-FFF2-40B4-BE49-F238E27FC236}">
+                <a16:creationId xmlns:a16="http://schemas.microsoft.com/office/drawing/2014/main" id="{8C91E02B-2C48-63B3-5AEE-9A707736987E}"/>
+              </a:ext>
+            </a:extLst>
+          </p:cNvPr>
+          <p:cNvSpPr txBox="1"/>
+          <p:nvPr/>
+        </p:nvSpPr>
+        <p:spPr>
+          <a:xfrm>
+            <a:off x="838200" y="1690688"/>
+            <a:ext cx="5029200" cy="1477328"/>
+          </a:xfrm>
+          <a:prstGeom prst="rect">
+            <a:avLst/>
+          </a:prstGeom>
+          <a:noFill/>
+        </p:spPr>
+        <p:txBody>
+          <a:bodyPr wrap="square" rtlCol="0">
+            <a:spAutoFit/>
+          </a:bodyPr>
+          <a:lstStyle/>
+          <a:p>
+            <a:r>
+              <a:rPr lang="en-US" dirty="0"/>
+              <a:t>Modify the file </a:t>
+            </a:r>
+            <a:r>
+              <a:rPr lang="en-US" b="1" dirty="0" err="1"/>
+              <a:t>index.html</a:t>
+            </a:r>
+            <a:r>
+              <a:rPr lang="en-US" dirty="0"/>
+              <a:t>:</a:t>
+            </a:r>
+          </a:p>
+          <a:p>
+            <a:r>
+              <a:rPr lang="en-US" dirty="0"/>
+              <a:t>- add a table with two columns and 3 rows</a:t>
+            </a:r>
+          </a:p>
+          <a:p>
+            <a:r>
+              <a:rPr lang="en-US" dirty="0"/>
+              <a:t>- make the column headings </a:t>
+            </a:r>
+            <a:r>
+              <a:rPr lang="en-US" b="1" dirty="0"/>
+              <a:t>bold</a:t>
+            </a:r>
+            <a:endParaRPr lang="en-US" dirty="0"/>
+          </a:p>
+          <a:p>
+            <a:endParaRPr lang="en-US" dirty="0"/>
+          </a:p>
+          <a:p>
+            <a:endParaRPr lang="en-US" dirty="0"/>
+          </a:p>
+        </p:txBody>
+      </p:sp>
+    </p:spTree>
+    <p:extLst>
+      <p:ext uri="{BB962C8B-B14F-4D97-AF65-F5344CB8AC3E}">
+        <p14:creationId xmlns:p14="http://schemas.microsoft.com/office/powerpoint/2010/main" val="9945172"/>
       </p:ext>
     </p:extLst>
   </p:cSld>

--- a/Web Development.pptx
+++ b/Web Development.pptx
@@ -11,6 +11,11 @@
     <p:sldId id="259" r:id="rId5"/>
     <p:sldId id="260" r:id="rId6"/>
     <p:sldId id="261" r:id="rId7"/>
+    <p:sldId id="262" r:id="rId8"/>
+    <p:sldId id="263" r:id="rId9"/>
+    <p:sldId id="264" r:id="rId10"/>
+    <p:sldId id="265" r:id="rId11"/>
+    <p:sldId id="266" r:id="rId12"/>
   </p:sldIdLst>
   <p:sldSz cx="12192000" cy="6858000"/>
   <p:notesSz cx="6858000" cy="9144000"/>
@@ -266,7 +271,7 @@
           <a:p>
             <a:fld id="{A9E27933-9DEF-B348-B1CD-3C719D94EAB0}" type="datetimeFigureOut">
               <a:rPr lang="en-US" smtClean="0"/>
-              <a:t>11/20/23</a:t>
+              <a:t>11/21/23</a:t>
             </a:fld>
             <a:endParaRPr lang="en-US"/>
           </a:p>
@@ -466,7 +471,7 @@
           <a:p>
             <a:fld id="{A9E27933-9DEF-B348-B1CD-3C719D94EAB0}" type="datetimeFigureOut">
               <a:rPr lang="en-US" smtClean="0"/>
-              <a:t>11/20/23</a:t>
+              <a:t>11/21/23</a:t>
             </a:fld>
             <a:endParaRPr lang="en-US"/>
           </a:p>
@@ -676,7 +681,7 @@
           <a:p>
             <a:fld id="{A9E27933-9DEF-B348-B1CD-3C719D94EAB0}" type="datetimeFigureOut">
               <a:rPr lang="en-US" smtClean="0"/>
-              <a:t>11/20/23</a:t>
+              <a:t>11/21/23</a:t>
             </a:fld>
             <a:endParaRPr lang="en-US"/>
           </a:p>
@@ -876,7 +881,7 @@
           <a:p>
             <a:fld id="{A9E27933-9DEF-B348-B1CD-3C719D94EAB0}" type="datetimeFigureOut">
               <a:rPr lang="en-US" smtClean="0"/>
-              <a:t>11/20/23</a:t>
+              <a:t>11/21/23</a:t>
             </a:fld>
             <a:endParaRPr lang="en-US"/>
           </a:p>
@@ -1152,7 +1157,7 @@
           <a:p>
             <a:fld id="{A9E27933-9DEF-B348-B1CD-3C719D94EAB0}" type="datetimeFigureOut">
               <a:rPr lang="en-US" smtClean="0"/>
-              <a:t>11/20/23</a:t>
+              <a:t>11/21/23</a:t>
             </a:fld>
             <a:endParaRPr lang="en-US"/>
           </a:p>
@@ -1420,7 +1425,7 @@
           <a:p>
             <a:fld id="{A9E27933-9DEF-B348-B1CD-3C719D94EAB0}" type="datetimeFigureOut">
               <a:rPr lang="en-US" smtClean="0"/>
-              <a:t>11/20/23</a:t>
+              <a:t>11/21/23</a:t>
             </a:fld>
             <a:endParaRPr lang="en-US"/>
           </a:p>
@@ -1835,7 +1840,7 @@
           <a:p>
             <a:fld id="{A9E27933-9DEF-B348-B1CD-3C719D94EAB0}" type="datetimeFigureOut">
               <a:rPr lang="en-US" smtClean="0"/>
-              <a:t>11/20/23</a:t>
+              <a:t>11/21/23</a:t>
             </a:fld>
             <a:endParaRPr lang="en-US"/>
           </a:p>
@@ -1977,7 +1982,7 @@
           <a:p>
             <a:fld id="{A9E27933-9DEF-B348-B1CD-3C719D94EAB0}" type="datetimeFigureOut">
               <a:rPr lang="en-US" smtClean="0"/>
-              <a:t>11/20/23</a:t>
+              <a:t>11/21/23</a:t>
             </a:fld>
             <a:endParaRPr lang="en-US"/>
           </a:p>
@@ -2090,7 +2095,7 @@
           <a:p>
             <a:fld id="{A9E27933-9DEF-B348-B1CD-3C719D94EAB0}" type="datetimeFigureOut">
               <a:rPr lang="en-US" smtClean="0"/>
-              <a:t>11/20/23</a:t>
+              <a:t>11/21/23</a:t>
             </a:fld>
             <a:endParaRPr lang="en-US"/>
           </a:p>
@@ -2403,7 +2408,7 @@
           <a:p>
             <a:fld id="{A9E27933-9DEF-B348-B1CD-3C719D94EAB0}" type="datetimeFigureOut">
               <a:rPr lang="en-US" smtClean="0"/>
-              <a:t>11/20/23</a:t>
+              <a:t>11/21/23</a:t>
             </a:fld>
             <a:endParaRPr lang="en-US"/>
           </a:p>
@@ -2692,7 +2697,7 @@
           <a:p>
             <a:fld id="{A9E27933-9DEF-B348-B1CD-3C719D94EAB0}" type="datetimeFigureOut">
               <a:rPr lang="en-US" smtClean="0"/>
-              <a:t>11/20/23</a:t>
+              <a:t>11/21/23</a:t>
             </a:fld>
             <a:endParaRPr lang="en-US"/>
           </a:p>
@@ -2935,7 +2940,7 @@
           <a:p>
             <a:fld id="{A9E27933-9DEF-B348-B1CD-3C719D94EAB0}" type="datetimeFigureOut">
               <a:rPr lang="en-US" smtClean="0"/>
-              <a:t>11/20/23</a:t>
+              <a:t>11/21/23</a:t>
             </a:fld>
             <a:endParaRPr lang="en-US"/>
           </a:p>
@@ -3418,6 +3423,438 @@
 </p:sld>
 </file>
 
+<file path=ppt/slides/slide10.xml><?xml version="1.0" encoding="utf-8"?>
+<p:sld xmlns:a="http://schemas.openxmlformats.org/drawingml/2006/main" xmlns:r="http://schemas.openxmlformats.org/officeDocument/2006/relationships" xmlns:p="http://schemas.openxmlformats.org/presentationml/2006/main">
+  <p:cSld>
+    <p:spTree>
+      <p:nvGrpSpPr>
+        <p:cNvPr id="1" name=""/>
+        <p:cNvGrpSpPr/>
+        <p:nvPr/>
+      </p:nvGrpSpPr>
+      <p:grpSpPr>
+        <a:xfrm>
+          <a:off x="0" y="0"/>
+          <a:ext cx="0" cy="0"/>
+          <a:chOff x="0" y="0"/>
+          <a:chExt cx="0" cy="0"/>
+        </a:xfrm>
+      </p:grpSpPr>
+      <p:sp>
+        <p:nvSpPr>
+          <p:cNvPr id="2" name="Title 1">
+            <a:extLst>
+              <a:ext uri="{FF2B5EF4-FFF2-40B4-BE49-F238E27FC236}">
+                <a16:creationId xmlns:a16="http://schemas.microsoft.com/office/drawing/2014/main" id="{3DF0A0EE-F20B-2F09-EB70-EB5533A89DE4}"/>
+              </a:ext>
+            </a:extLst>
+          </p:cNvPr>
+          <p:cNvSpPr>
+            <a:spLocks noGrp="1"/>
+          </p:cNvSpPr>
+          <p:nvPr>
+            <p:ph type="title"/>
+          </p:nvPr>
+        </p:nvSpPr>
+        <p:spPr/>
+        <p:txBody>
+          <a:bodyPr/>
+          <a:lstStyle/>
+          <a:p>
+            <a:r>
+              <a:rPr lang="en-US" dirty="0"/>
+              <a:t>PHP – </a:t>
+            </a:r>
+            <a:r>
+              <a:rPr lang="en-US" u="sng" dirty="0"/>
+              <a:t>P</a:t>
+            </a:r>
+            <a:r>
+              <a:rPr lang="en-US" dirty="0"/>
+              <a:t>HP </a:t>
+            </a:r>
+            <a:r>
+              <a:rPr lang="en-US" u="sng" dirty="0" err="1"/>
+              <a:t>H</a:t>
+            </a:r>
+            <a:r>
+              <a:rPr lang="en-US" dirty="0" err="1"/>
+              <a:t>yperText</a:t>
+            </a:r>
+            <a:r>
+              <a:rPr lang="en-US" dirty="0"/>
+              <a:t> </a:t>
+            </a:r>
+            <a:r>
+              <a:rPr lang="en-US" u="sng" dirty="0"/>
+              <a:t>P</a:t>
+            </a:r>
+            <a:r>
+              <a:rPr lang="en-US" dirty="0"/>
+              <a:t>reprocessor</a:t>
+            </a:r>
+          </a:p>
+        </p:txBody>
+      </p:sp>
+      <p:sp>
+        <p:nvSpPr>
+          <p:cNvPr id="3" name="Content Placeholder 2">
+            <a:extLst>
+              <a:ext uri="{FF2B5EF4-FFF2-40B4-BE49-F238E27FC236}">
+                <a16:creationId xmlns:a16="http://schemas.microsoft.com/office/drawing/2014/main" id="{85E200FA-F60A-5803-04D6-B055A1A10AF9}"/>
+              </a:ext>
+            </a:extLst>
+          </p:cNvPr>
+          <p:cNvSpPr>
+            <a:spLocks noGrp="1"/>
+          </p:cNvSpPr>
+          <p:nvPr>
+            <p:ph idx="1"/>
+          </p:nvPr>
+        </p:nvSpPr>
+        <p:spPr/>
+        <p:txBody>
+          <a:bodyPr/>
+          <a:lstStyle/>
+          <a:p>
+            <a:r>
+              <a:rPr lang="en-US" dirty="0"/>
+              <a:t>When the server gets a request for a .</a:t>
+            </a:r>
+            <a:r>
+              <a:rPr lang="en-US" dirty="0" err="1"/>
+              <a:t>php</a:t>
+            </a:r>
+            <a:r>
+              <a:rPr lang="en-US" dirty="0"/>
+              <a:t> file, it asks PHP to ‘process’ the file</a:t>
+            </a:r>
+          </a:p>
+          <a:p>
+            <a:r>
+              <a:rPr lang="en-US" dirty="0"/>
+              <a:t>A PHP file contains </a:t>
+            </a:r>
+            <a:r>
+              <a:rPr lang="en-US" b="1" dirty="0"/>
+              <a:t>instructions</a:t>
+            </a:r>
+            <a:r>
+              <a:rPr lang="en-US" dirty="0"/>
+              <a:t> and </a:t>
+            </a:r>
+            <a:r>
+              <a:rPr lang="en-US" b="1" dirty="0"/>
+              <a:t>HTML</a:t>
+            </a:r>
+          </a:p>
+          <a:p>
+            <a:r>
+              <a:rPr lang="en-US" dirty="0"/>
+              <a:t>PHP executes the instructions in the file and return the output to the server</a:t>
+            </a:r>
+          </a:p>
+          <a:p>
+            <a:r>
+              <a:rPr lang="en-US" dirty="0"/>
+              <a:t>Most of the time, this output is HTML (but can be otherwise)</a:t>
+            </a:r>
+          </a:p>
+          <a:p>
+            <a:r>
+              <a:rPr lang="en-US" dirty="0"/>
+              <a:t>The server will send the output to the browser</a:t>
+            </a:r>
+          </a:p>
+        </p:txBody>
+      </p:sp>
+    </p:spTree>
+    <p:extLst>
+      <p:ext uri="{BB962C8B-B14F-4D97-AF65-F5344CB8AC3E}">
+        <p14:creationId xmlns:p14="http://schemas.microsoft.com/office/powerpoint/2010/main" val="2896146930"/>
+      </p:ext>
+    </p:extLst>
+  </p:cSld>
+  <p:clrMapOvr>
+    <a:masterClrMapping/>
+  </p:clrMapOvr>
+</p:sld>
+</file>
+
+<file path=ppt/slides/slide11.xml><?xml version="1.0" encoding="utf-8"?>
+<p:sld xmlns:a="http://schemas.openxmlformats.org/drawingml/2006/main" xmlns:r="http://schemas.openxmlformats.org/officeDocument/2006/relationships" xmlns:p="http://schemas.openxmlformats.org/presentationml/2006/main">
+  <p:cSld>
+    <p:spTree>
+      <p:nvGrpSpPr>
+        <p:cNvPr id="1" name=""/>
+        <p:cNvGrpSpPr/>
+        <p:nvPr/>
+      </p:nvGrpSpPr>
+      <p:grpSpPr>
+        <a:xfrm>
+          <a:off x="0" y="0"/>
+          <a:ext cx="0" cy="0"/>
+          <a:chOff x="0" y="0"/>
+          <a:chExt cx="0" cy="0"/>
+        </a:xfrm>
+      </p:grpSpPr>
+      <p:sp>
+        <p:nvSpPr>
+          <p:cNvPr id="2" name="Title 1">
+            <a:extLst>
+              <a:ext uri="{FF2B5EF4-FFF2-40B4-BE49-F238E27FC236}">
+                <a16:creationId xmlns:a16="http://schemas.microsoft.com/office/drawing/2014/main" id="{B00236C1-FFDC-918A-3356-955457D4A4ED}"/>
+              </a:ext>
+            </a:extLst>
+          </p:cNvPr>
+          <p:cNvSpPr>
+            <a:spLocks noGrp="1"/>
+          </p:cNvSpPr>
+          <p:nvPr>
+            <p:ph type="title"/>
+          </p:nvPr>
+        </p:nvSpPr>
+        <p:spPr/>
+        <p:txBody>
+          <a:bodyPr/>
+          <a:lstStyle/>
+          <a:p>
+            <a:r>
+              <a:rPr lang="en-US" dirty="0"/>
+              <a:t>Exercise 002</a:t>
+            </a:r>
+          </a:p>
+        </p:txBody>
+      </p:sp>
+      <p:sp>
+        <p:nvSpPr>
+          <p:cNvPr id="3" name="Content Placeholder 2">
+            <a:extLst>
+              <a:ext uri="{FF2B5EF4-FFF2-40B4-BE49-F238E27FC236}">
+                <a16:creationId xmlns:a16="http://schemas.microsoft.com/office/drawing/2014/main" id="{4B6ED556-C4FD-CA64-2292-A08B37B8D294}"/>
+              </a:ext>
+            </a:extLst>
+          </p:cNvPr>
+          <p:cNvSpPr>
+            <a:spLocks noGrp="1"/>
+          </p:cNvSpPr>
+          <p:nvPr>
+            <p:ph idx="1"/>
+          </p:nvPr>
+        </p:nvSpPr>
+        <p:spPr>
+          <a:xfrm>
+            <a:off x="838200" y="1825624"/>
+            <a:ext cx="10515600" cy="2815949"/>
+          </a:xfrm>
+        </p:spPr>
+        <p:txBody>
+          <a:bodyPr>
+            <a:normAutofit lnSpcReduction="10000"/>
+          </a:bodyPr>
+          <a:lstStyle/>
+          <a:p>
+            <a:r>
+              <a:rPr lang="en-US" dirty="0"/>
+              <a:t>Alongside </a:t>
+            </a:r>
+            <a:r>
+              <a:rPr lang="en-US" dirty="0" err="1"/>
+              <a:t>index.html</a:t>
+            </a:r>
+            <a:r>
+              <a:rPr lang="en-US" dirty="0"/>
+              <a:t>, create a file </a:t>
+            </a:r>
+            <a:r>
+              <a:rPr lang="en-US" b="1" dirty="0" err="1"/>
+              <a:t>time.php</a:t>
+            </a:r>
+            <a:endParaRPr lang="en-US" b="1" dirty="0"/>
+          </a:p>
+          <a:p>
+            <a:r>
+              <a:rPr lang="en-US" dirty="0"/>
+              <a:t>Inside it, </a:t>
+            </a:r>
+            <a:r>
+              <a:rPr lang="en-US" i="1" dirty="0"/>
+              <a:t>echo the current date and time</a:t>
+            </a:r>
+            <a:endParaRPr lang="en-US" dirty="0"/>
+          </a:p>
+          <a:p>
+            <a:pPr lvl="1"/>
+            <a:r>
+              <a:rPr lang="en-US" dirty="0"/>
+              <a:t>Use the date format ‘</a:t>
+            </a:r>
+            <a:r>
+              <a:rPr lang="en-GB" b="0" dirty="0">
+                <a:solidFill>
+                  <a:srgbClr val="CE9178"/>
+                </a:solidFill>
+                <a:effectLst/>
+                <a:latin typeface="Menlo" panose="020B0609030804020204" pitchFamily="49" charset="0"/>
+              </a:rPr>
+              <a:t>Y-m-d </a:t>
+            </a:r>
+            <a:r>
+              <a:rPr lang="en-GB" b="0" dirty="0" err="1">
+                <a:solidFill>
+                  <a:srgbClr val="CE9178"/>
+                </a:solidFill>
+                <a:effectLst/>
+                <a:latin typeface="Menlo" panose="020B0609030804020204" pitchFamily="49" charset="0"/>
+              </a:rPr>
+              <a:t>H:i:s</a:t>
+            </a:r>
+            <a:r>
+              <a:rPr lang="en-US" dirty="0"/>
+              <a:t>’</a:t>
+            </a:r>
+          </a:p>
+          <a:p>
+            <a:r>
+              <a:rPr lang="en-US" dirty="0"/>
+              <a:t>Check the result at </a:t>
+            </a:r>
+            <a:r>
+              <a:rPr lang="en-US" dirty="0">
+                <a:hlinkClick r:id="rId2"/>
+              </a:rPr>
+              <a:t>http://localhost/time.php</a:t>
+            </a:r>
+            <a:r>
+              <a:rPr lang="en-US" dirty="0"/>
+              <a:t> </a:t>
+            </a:r>
+          </a:p>
+          <a:p>
+            <a:r>
+              <a:rPr lang="en-US" dirty="0"/>
+              <a:t>Refresh the page in the browser and check if the time changes</a:t>
+            </a:r>
+          </a:p>
+          <a:p>
+            <a:r>
+              <a:rPr lang="en-US" dirty="0"/>
+              <a:t>You made your first </a:t>
+            </a:r>
+            <a:r>
+              <a:rPr lang="en-US" b="1" dirty="0"/>
+              <a:t>dynamic</a:t>
+            </a:r>
+            <a:r>
+              <a:rPr lang="en-US" dirty="0"/>
+              <a:t> page!</a:t>
+            </a:r>
+          </a:p>
+        </p:txBody>
+      </p:sp>
+      <p:sp>
+        <p:nvSpPr>
+          <p:cNvPr id="4" name="TextBox 3">
+            <a:extLst>
+              <a:ext uri="{FF2B5EF4-FFF2-40B4-BE49-F238E27FC236}">
+                <a16:creationId xmlns:a16="http://schemas.microsoft.com/office/drawing/2014/main" id="{809162EC-E22E-C5A7-5FDB-0AF7E195A428}"/>
+              </a:ext>
+            </a:extLst>
+          </p:cNvPr>
+          <p:cNvSpPr txBox="1"/>
+          <p:nvPr/>
+        </p:nvSpPr>
+        <p:spPr>
+          <a:xfrm>
+            <a:off x="5565913" y="4740972"/>
+            <a:ext cx="5857566" cy="1477328"/>
+          </a:xfrm>
+          <a:prstGeom prst="rect">
+            <a:avLst/>
+          </a:prstGeom>
+          <a:noFill/>
+        </p:spPr>
+        <p:txBody>
+          <a:bodyPr wrap="none" rtlCol="0">
+            <a:spAutoFit/>
+          </a:bodyPr>
+          <a:lstStyle/>
+          <a:p>
+            <a:r>
+              <a:rPr lang="en-US" dirty="0"/>
+              <a:t>Learning resources</a:t>
+            </a:r>
+          </a:p>
+          <a:p>
+            <a:pPr marL="285750" indent="-285750">
+              <a:buFont typeface="Arial" panose="020B0604020202020204" pitchFamily="34" charset="0"/>
+              <a:buChar char="•"/>
+            </a:pPr>
+            <a:r>
+              <a:rPr lang="en-US" dirty="0">
+                <a:hlinkClick r:id="rId3"/>
+              </a:rPr>
+              <a:t>https://www.w3schools.com/php/</a:t>
+            </a:r>
+            <a:endParaRPr lang="en-US" dirty="0"/>
+          </a:p>
+          <a:p>
+            <a:pPr marL="285750" indent="-285750">
+              <a:buFont typeface="Arial" panose="020B0604020202020204" pitchFamily="34" charset="0"/>
+              <a:buChar char="•"/>
+            </a:pPr>
+            <a:r>
+              <a:rPr lang="en-US" dirty="0">
+                <a:hlinkClick r:id="rId4"/>
+              </a:rPr>
+              <a:t>https://www.w3schools.com/php/php_syntax.asp</a:t>
+            </a:r>
+            <a:endParaRPr lang="en-US" dirty="0"/>
+          </a:p>
+          <a:p>
+            <a:pPr marL="285750" indent="-285750">
+              <a:buFont typeface="Arial" panose="020B0604020202020204" pitchFamily="34" charset="0"/>
+              <a:buChar char="•"/>
+            </a:pPr>
+            <a:r>
+              <a:rPr lang="en-US" dirty="0">
+                <a:hlinkClick r:id="rId5"/>
+              </a:rPr>
+              <a:t>https://www.w3schools.com/php/php_echo_print.asp</a:t>
+            </a:r>
+            <a:endParaRPr lang="en-US" dirty="0"/>
+          </a:p>
+          <a:p>
+            <a:pPr marL="285750" indent="-285750">
+              <a:buFont typeface="Arial" panose="020B0604020202020204" pitchFamily="34" charset="0"/>
+              <a:buChar char="•"/>
+            </a:pPr>
+            <a:r>
+              <a:rPr lang="en-US" dirty="0">
+                <a:hlinkClick r:id="rId6"/>
+              </a:rPr>
+              <a:t>https://www.w3schools.com/php/php_date.asp</a:t>
+            </a:r>
+            <a:r>
+              <a:rPr lang="en-US" dirty="0"/>
+              <a:t> </a:t>
+            </a:r>
+          </a:p>
+        </p:txBody>
+      </p:sp>
+    </p:spTree>
+    <p:extLst>
+      <p:ext uri="{BB962C8B-B14F-4D97-AF65-F5344CB8AC3E}">
+        <p14:creationId xmlns:p14="http://schemas.microsoft.com/office/powerpoint/2010/main" val="1713270140"/>
+      </p:ext>
+    </p:extLst>
+  </p:cSld>
+  <p:clrMapOvr>
+    <a:masterClrMapping/>
+  </p:clrMapOvr>
+</p:sld>
+</file>
+
 <file path=ppt/slides/slide2.xml><?xml version="1.0" encoding="utf-8"?>
 <p:sld xmlns:a="http://schemas.openxmlformats.org/drawingml/2006/main" xmlns:r="http://schemas.openxmlformats.org/officeDocument/2006/relationships" xmlns:p="http://schemas.openxmlformats.org/presentationml/2006/main">
   <p:cSld>
@@ -3732,7 +4169,7 @@
           <a:p>
             <a:r>
               <a:rPr lang="en-US" dirty="0"/>
-              <a:t>Clone repository</a:t>
+              <a:t>Clone repository &amp; checkout tag</a:t>
             </a:r>
           </a:p>
         </p:txBody>
@@ -3781,7 +4218,7 @@
         <p:spPr>
           <a:xfrm>
             <a:off x="6470937" y="2323070"/>
-            <a:ext cx="5403908" cy="1200329"/>
+            <a:ext cx="5403908" cy="2585323"/>
           </a:xfrm>
           <a:prstGeom prst="rect">
             <a:avLst/>
@@ -3847,8 +4284,87 @@
               <a:t>Click on ‘Open’ when asked to open window</a:t>
             </a:r>
           </a:p>
-        </p:txBody>
-      </p:sp>
+          <a:p>
+            <a:pPr marL="285750" indent="-285750">
+              <a:buFont typeface="Arial" panose="020B0604020202020204" pitchFamily="34" charset="0"/>
+              <a:buChar char="•"/>
+            </a:pPr>
+            <a:r>
+              <a:rPr lang="en-US" dirty="0"/>
+              <a:t>In the </a:t>
+            </a:r>
+            <a:r>
+              <a:rPr lang="en-US" b="1" dirty="0"/>
+              <a:t>left lower corner</a:t>
+            </a:r>
+            <a:r>
+              <a:rPr lang="en-US" dirty="0"/>
+              <a:t>, click on </a:t>
+            </a:r>
+            <a:r>
+              <a:rPr lang="en-US" b="1" dirty="0"/>
+              <a:t>main</a:t>
+            </a:r>
+          </a:p>
+          <a:p>
+            <a:pPr marL="285750" indent="-285750">
+              <a:buFont typeface="Arial" panose="020B0604020202020204" pitchFamily="34" charset="0"/>
+              <a:buChar char="•"/>
+            </a:pPr>
+            <a:r>
+              <a:rPr lang="en-US" dirty="0"/>
+              <a:t>Then, in the top, select EXERCISE-001</a:t>
+            </a:r>
+          </a:p>
+          <a:p>
+            <a:pPr marL="285750" indent="-285750">
+              <a:buFont typeface="Arial" panose="020B0604020202020204" pitchFamily="34" charset="0"/>
+              <a:buChar char="•"/>
+            </a:pPr>
+            <a:r>
+              <a:rPr lang="en-US" dirty="0"/>
+              <a:t>Check that the left lower corner now contains ‘EXERCISE-001’.</a:t>
+            </a:r>
+          </a:p>
+          <a:p>
+            <a:pPr marL="285750" indent="-285750">
+              <a:buFont typeface="Arial" panose="020B0604020202020204" pitchFamily="34" charset="0"/>
+              <a:buChar char="•"/>
+            </a:pPr>
+            <a:endParaRPr lang="en-US" dirty="0"/>
+          </a:p>
+        </p:txBody>
+      </p:sp>
+      <p:pic>
+        <p:nvPicPr>
+          <p:cNvPr id="4" name="Picture 3" descr="A screenshot of a computer&#10;&#10;Description automatically generated">
+            <a:extLst>
+              <a:ext uri="{FF2B5EF4-FFF2-40B4-BE49-F238E27FC236}">
+                <a16:creationId xmlns:a16="http://schemas.microsoft.com/office/drawing/2014/main" id="{FEB89797-15B1-2835-961D-6EDD54968374}"/>
+              </a:ext>
+            </a:extLst>
+          </p:cNvPr>
+          <p:cNvPicPr>
+            <a:picLocks noChangeAspect="1"/>
+          </p:cNvPicPr>
+          <p:nvPr/>
+        </p:nvPicPr>
+        <p:blipFill>
+          <a:blip r:embed="rId3"/>
+          <a:stretch>
+            <a:fillRect/>
+          </a:stretch>
+        </p:blipFill>
+        <p:spPr>
+          <a:xfrm>
+            <a:off x="6934030" y="4993862"/>
+            <a:ext cx="4854318" cy="1499013"/>
+          </a:xfrm>
+          <a:prstGeom prst="rect">
+            <a:avLst/>
+          </a:prstGeom>
+        </p:spPr>
+      </p:pic>
     </p:spTree>
     <p:extLst>
       <p:ext uri="{BB962C8B-B14F-4D97-AF65-F5344CB8AC3E}">
@@ -3900,7 +4416,10 @@
           <a:bodyPr/>
           <a:lstStyle/>
           <a:p>
-            <a:endParaRPr lang="en-US"/>
+            <a:r>
+              <a:rPr lang="en-US" dirty="0"/>
+              <a:t>Start the webserver with Docker</a:t>
+            </a:r>
           </a:p>
         </p:txBody>
       </p:sp>
@@ -3967,7 +4486,15 @@
             </a:pPr>
             <a:r>
               <a:rPr lang="en-US" dirty="0"/>
-              <a:t>In the Explorer, left-click on docker-</a:t>
+              <a:t>In the Explorer, </a:t>
+            </a:r>
+            <a:r>
+              <a:rPr lang="en-US" b="1" dirty="0"/>
+              <a:t>left-click</a:t>
+            </a:r>
+            <a:r>
+              <a:rPr lang="en-US" dirty="0"/>
+              <a:t> on docker-</a:t>
             </a:r>
             <a:r>
               <a:rPr lang="en-US" dirty="0" err="1"/>
@@ -4313,6 +4840,1698 @@
     <p:extLst>
       <p:ext uri="{BB962C8B-B14F-4D97-AF65-F5344CB8AC3E}">
         <p14:creationId xmlns:p14="http://schemas.microsoft.com/office/powerpoint/2010/main" val="9945172"/>
+      </p:ext>
+    </p:extLst>
+  </p:cSld>
+  <p:clrMapOvr>
+    <a:masterClrMapping/>
+  </p:clrMapOvr>
+</p:sld>
+</file>
+
+<file path=ppt/slides/slide7.xml><?xml version="1.0" encoding="utf-8"?>
+<p:sld xmlns:a="http://schemas.openxmlformats.org/drawingml/2006/main" xmlns:r="http://schemas.openxmlformats.org/officeDocument/2006/relationships" xmlns:p="http://schemas.openxmlformats.org/presentationml/2006/main">
+  <p:cSld>
+    <p:spTree>
+      <p:nvGrpSpPr>
+        <p:cNvPr id="1" name=""/>
+        <p:cNvGrpSpPr/>
+        <p:nvPr/>
+      </p:nvGrpSpPr>
+      <p:grpSpPr>
+        <a:xfrm>
+          <a:off x="0" y="0"/>
+          <a:ext cx="0" cy="0"/>
+          <a:chOff x="0" y="0"/>
+          <a:chExt cx="0" cy="0"/>
+        </a:xfrm>
+      </p:grpSpPr>
+      <p:sp>
+        <p:nvSpPr>
+          <p:cNvPr id="2" name="Title 1">
+            <a:extLst>
+              <a:ext uri="{FF2B5EF4-FFF2-40B4-BE49-F238E27FC236}">
+                <a16:creationId xmlns:a16="http://schemas.microsoft.com/office/drawing/2014/main" id="{A1179140-9BF7-2BEA-7B90-9FA641B83E4B}"/>
+              </a:ext>
+            </a:extLst>
+          </p:cNvPr>
+          <p:cNvSpPr>
+            <a:spLocks noGrp="1"/>
+          </p:cNvSpPr>
+          <p:nvPr>
+            <p:ph type="title"/>
+          </p:nvPr>
+        </p:nvSpPr>
+        <p:spPr/>
+        <p:txBody>
+          <a:bodyPr/>
+          <a:lstStyle/>
+          <a:p>
+            <a:r>
+              <a:rPr lang="en-US" dirty="0"/>
+              <a:t>What happened?</a:t>
+            </a:r>
+          </a:p>
+        </p:txBody>
+      </p:sp>
+      <p:grpSp>
+        <p:nvGrpSpPr>
+          <p:cNvPr id="11" name="Group 10">
+            <a:extLst>
+              <a:ext uri="{FF2B5EF4-FFF2-40B4-BE49-F238E27FC236}">
+                <a16:creationId xmlns:a16="http://schemas.microsoft.com/office/drawing/2014/main" id="{F548F917-D725-57C6-0A3C-99E1479FBECD}"/>
+              </a:ext>
+            </a:extLst>
+          </p:cNvPr>
+          <p:cNvGrpSpPr/>
+          <p:nvPr/>
+        </p:nvGrpSpPr>
+        <p:grpSpPr>
+          <a:xfrm>
+            <a:off x="2256809" y="4024035"/>
+            <a:ext cx="7062156" cy="1591574"/>
+            <a:chOff x="1416221" y="2095843"/>
+            <a:chExt cx="8568039" cy="2209114"/>
+          </a:xfrm>
+        </p:grpSpPr>
+        <p:pic>
+          <p:nvPicPr>
+            <p:cNvPr id="1026" name="Picture 2">
+              <a:extLst>
+                <a:ext uri="{FF2B5EF4-FFF2-40B4-BE49-F238E27FC236}">
+                  <a16:creationId xmlns:a16="http://schemas.microsoft.com/office/drawing/2014/main" id="{6BFC0A0A-71F7-C784-95C3-79C5A6F66D2F}"/>
+                </a:ext>
+              </a:extLst>
+            </p:cNvPr>
+            <p:cNvPicPr>
+              <a:picLocks noChangeAspect="1" noChangeArrowheads="1"/>
+            </p:cNvPicPr>
+            <p:nvPr/>
+          </p:nvPicPr>
+          <p:blipFill>
+            <a:blip r:embed="rId2">
+              <a:extLst>
+                <a:ext uri="{28A0092B-C50C-407E-A947-70E740481C1C}">
+                  <a14:useLocalDpi xmlns:a14="http://schemas.microsoft.com/office/drawing/2010/main" val="0"/>
+                </a:ext>
+              </a:extLst>
+            </a:blip>
+            <a:srcRect/>
+            <a:stretch>
+              <a:fillRect/>
+            </a:stretch>
+          </p:blipFill>
+          <p:spPr bwMode="auto">
+            <a:xfrm>
+              <a:off x="1416221" y="2095843"/>
+              <a:ext cx="2209114" cy="2209114"/>
+            </a:xfrm>
+            <a:prstGeom prst="rect">
+              <a:avLst/>
+            </a:prstGeom>
+            <a:noFill/>
+            <a:extLst>
+              <a:ext uri="{909E8E84-426E-40DD-AFC4-6F175D3DCCD1}">
+                <a14:hiddenFill xmlns:a14="http://schemas.microsoft.com/office/drawing/2010/main">
+                  <a:solidFill>
+                    <a:srgbClr val="FFFFFF"/>
+                  </a:solidFill>
+                </a14:hiddenFill>
+              </a:ext>
+            </a:extLst>
+          </p:spPr>
+        </p:pic>
+        <p:pic>
+          <p:nvPicPr>
+            <p:cNvPr id="1028" name="Picture 4">
+              <a:extLst>
+                <a:ext uri="{FF2B5EF4-FFF2-40B4-BE49-F238E27FC236}">
+                  <a16:creationId xmlns:a16="http://schemas.microsoft.com/office/drawing/2014/main" id="{E83E5704-9A27-8690-E0B7-130F25405DF2}"/>
+                </a:ext>
+              </a:extLst>
+            </p:cNvPr>
+            <p:cNvPicPr>
+              <a:picLocks noChangeAspect="1" noChangeArrowheads="1"/>
+            </p:cNvPicPr>
+            <p:nvPr/>
+          </p:nvPicPr>
+          <p:blipFill>
+            <a:blip r:embed="rId3">
+              <a:extLst>
+                <a:ext uri="{28A0092B-C50C-407E-A947-70E740481C1C}">
+                  <a14:useLocalDpi xmlns:a14="http://schemas.microsoft.com/office/drawing/2010/main" val="0"/>
+                </a:ext>
+              </a:extLst>
+            </a:blip>
+            <a:srcRect/>
+            <a:stretch>
+              <a:fillRect/>
+            </a:stretch>
+          </p:blipFill>
+          <p:spPr bwMode="auto">
+            <a:xfrm>
+              <a:off x="8257060" y="2336800"/>
+              <a:ext cx="1727200" cy="1727200"/>
+            </a:xfrm>
+            <a:prstGeom prst="rect">
+              <a:avLst/>
+            </a:prstGeom>
+            <a:noFill/>
+            <a:extLst>
+              <a:ext uri="{909E8E84-426E-40DD-AFC4-6F175D3DCCD1}">
+                <a14:hiddenFill xmlns:a14="http://schemas.microsoft.com/office/drawing/2010/main">
+                  <a:solidFill>
+                    <a:srgbClr val="FFFFFF"/>
+                  </a:solidFill>
+                </a14:hiddenFill>
+              </a:ext>
+            </a:extLst>
+          </p:spPr>
+        </p:pic>
+        <p:cxnSp>
+          <p:nvCxnSpPr>
+            <p:cNvPr id="6" name="Straight Arrow Connector 5">
+              <a:extLst>
+                <a:ext uri="{FF2B5EF4-FFF2-40B4-BE49-F238E27FC236}">
+                  <a16:creationId xmlns:a16="http://schemas.microsoft.com/office/drawing/2014/main" id="{A2ABAE31-B715-1F17-DA6F-E947D1C19928}"/>
+                </a:ext>
+              </a:extLst>
+            </p:cNvPr>
+            <p:cNvCxnSpPr/>
+            <p:nvPr/>
+          </p:nvCxnSpPr>
+          <p:spPr>
+            <a:xfrm flipH="1">
+              <a:off x="3818238" y="2681416"/>
+              <a:ext cx="4053016" cy="0"/>
+            </a:xfrm>
+            <a:prstGeom prst="straightConnector1">
+              <a:avLst/>
+            </a:prstGeom>
+            <a:ln>
+              <a:tailEnd type="triangle"/>
+            </a:ln>
+          </p:spPr>
+          <p:style>
+            <a:lnRef idx="2">
+              <a:schemeClr val="accent1"/>
+            </a:lnRef>
+            <a:fillRef idx="0">
+              <a:schemeClr val="accent1"/>
+            </a:fillRef>
+            <a:effectRef idx="1">
+              <a:schemeClr val="accent1"/>
+            </a:effectRef>
+            <a:fontRef idx="minor">
+              <a:schemeClr val="tx1"/>
+            </a:fontRef>
+          </p:style>
+        </p:cxnSp>
+        <p:sp>
+          <p:nvSpPr>
+            <p:cNvPr id="7" name="TextBox 6">
+              <a:extLst>
+                <a:ext uri="{FF2B5EF4-FFF2-40B4-BE49-F238E27FC236}">
+                  <a16:creationId xmlns:a16="http://schemas.microsoft.com/office/drawing/2014/main" id="{A2D59208-1383-B54F-5CAB-9C50CA3701CF}"/>
+                </a:ext>
+              </a:extLst>
+            </p:cNvPr>
+            <p:cNvSpPr txBox="1"/>
+            <p:nvPr/>
+          </p:nvSpPr>
+          <p:spPr>
+            <a:xfrm>
+              <a:off x="4920461" y="2239814"/>
+              <a:ext cx="2192139" cy="369332"/>
+            </a:xfrm>
+            <a:prstGeom prst="rect">
+              <a:avLst/>
+            </a:prstGeom>
+            <a:noFill/>
+          </p:spPr>
+          <p:txBody>
+            <a:bodyPr wrap="none" rtlCol="0">
+              <a:spAutoFit/>
+            </a:bodyPr>
+            <a:lstStyle/>
+            <a:p>
+              <a:r>
+                <a:rPr lang="en-US" dirty="0"/>
+                <a:t>GET http://localhost</a:t>
+              </a:r>
+            </a:p>
+          </p:txBody>
+        </p:sp>
+        <p:cxnSp>
+          <p:nvCxnSpPr>
+            <p:cNvPr id="9" name="Straight Arrow Connector 8">
+              <a:extLst>
+                <a:ext uri="{FF2B5EF4-FFF2-40B4-BE49-F238E27FC236}">
+                  <a16:creationId xmlns:a16="http://schemas.microsoft.com/office/drawing/2014/main" id="{F5466DD5-2B97-879B-E5E2-CC3AA749205E}"/>
+                </a:ext>
+              </a:extLst>
+            </p:cNvPr>
+            <p:cNvCxnSpPr/>
+            <p:nvPr/>
+          </p:nvCxnSpPr>
+          <p:spPr>
+            <a:xfrm>
+              <a:off x="3934941" y="3856383"/>
+              <a:ext cx="3936313" cy="0"/>
+            </a:xfrm>
+            <a:prstGeom prst="straightConnector1">
+              <a:avLst/>
+            </a:prstGeom>
+            <a:ln>
+              <a:tailEnd type="triangle"/>
+            </a:ln>
+          </p:spPr>
+          <p:style>
+            <a:lnRef idx="2">
+              <a:schemeClr val="accent1"/>
+            </a:lnRef>
+            <a:fillRef idx="0">
+              <a:schemeClr val="accent1"/>
+            </a:fillRef>
+            <a:effectRef idx="1">
+              <a:schemeClr val="accent1"/>
+            </a:effectRef>
+            <a:fontRef idx="minor">
+              <a:schemeClr val="tx1"/>
+            </a:fontRef>
+          </p:style>
+        </p:cxnSp>
+        <p:sp>
+          <p:nvSpPr>
+            <p:cNvPr id="10" name="TextBox 9">
+              <a:extLst>
+                <a:ext uri="{FF2B5EF4-FFF2-40B4-BE49-F238E27FC236}">
+                  <a16:creationId xmlns:a16="http://schemas.microsoft.com/office/drawing/2014/main" id="{C5DACD64-F204-AEC9-4FEA-20E0FFE1C7D3}"/>
+                </a:ext>
+              </a:extLst>
+            </p:cNvPr>
+            <p:cNvSpPr txBox="1"/>
+            <p:nvPr/>
+          </p:nvSpPr>
+          <p:spPr>
+            <a:xfrm>
+              <a:off x="5052163" y="3879334"/>
+              <a:ext cx="1928733" cy="369332"/>
+            </a:xfrm>
+            <a:prstGeom prst="rect">
+              <a:avLst/>
+            </a:prstGeom>
+            <a:noFill/>
+          </p:spPr>
+          <p:txBody>
+            <a:bodyPr wrap="none" rtlCol="0">
+              <a:spAutoFit/>
+            </a:bodyPr>
+            <a:lstStyle/>
+            <a:p>
+              <a:r>
+                <a:rPr lang="en-US" dirty="0"/>
+                <a:t>&lt;html&gt;….&lt;/html&gt;</a:t>
+              </a:r>
+            </a:p>
+          </p:txBody>
+        </p:sp>
+      </p:grpSp>
+      <p:sp>
+        <p:nvSpPr>
+          <p:cNvPr id="12" name="TextBox 11">
+            <a:extLst>
+              <a:ext uri="{FF2B5EF4-FFF2-40B4-BE49-F238E27FC236}">
+                <a16:creationId xmlns:a16="http://schemas.microsoft.com/office/drawing/2014/main" id="{DF42D7F3-6F36-24FF-C977-B42021E5FAF8}"/>
+              </a:ext>
+            </a:extLst>
+          </p:cNvPr>
+          <p:cNvSpPr txBox="1"/>
+          <p:nvPr/>
+        </p:nvSpPr>
+        <p:spPr>
+          <a:xfrm>
+            <a:off x="838200" y="2080080"/>
+            <a:ext cx="11102008" cy="1200329"/>
+          </a:xfrm>
+          <a:prstGeom prst="rect">
+            <a:avLst/>
+          </a:prstGeom>
+          <a:noFill/>
+        </p:spPr>
+        <p:txBody>
+          <a:bodyPr wrap="square" rtlCol="0">
+            <a:spAutoFit/>
+          </a:bodyPr>
+          <a:lstStyle/>
+          <a:p>
+            <a:pPr marL="285750" indent="-285750">
+              <a:buFont typeface="Arial" panose="020B0604020202020204" pitchFamily="34" charset="0"/>
+              <a:buChar char="•"/>
+            </a:pPr>
+            <a:r>
+              <a:rPr lang="en-US" dirty="0"/>
+              <a:t>With ‘</a:t>
+            </a:r>
+            <a:r>
+              <a:rPr lang="en-US" b="1" dirty="0"/>
+              <a:t>Compose Up</a:t>
+            </a:r>
+            <a:r>
+              <a:rPr lang="en-US" dirty="0"/>
+              <a:t>’, you started a webserver with the name </a:t>
+            </a:r>
+            <a:r>
+              <a:rPr lang="en-US" b="1" dirty="0"/>
+              <a:t>localhost</a:t>
+            </a:r>
+            <a:r>
+              <a:rPr lang="en-US" dirty="0"/>
+              <a:t>.</a:t>
+            </a:r>
+          </a:p>
+          <a:p>
+            <a:pPr marL="285750" indent="-285750">
+              <a:buFont typeface="Arial" panose="020B0604020202020204" pitchFamily="34" charset="0"/>
+              <a:buChar char="•"/>
+            </a:pPr>
+            <a:r>
+              <a:rPr lang="en-US" dirty="0"/>
+              <a:t>With the </a:t>
+            </a:r>
+            <a:r>
+              <a:rPr lang="en-US" b="1" dirty="0"/>
+              <a:t>URL</a:t>
+            </a:r>
+            <a:r>
+              <a:rPr lang="en-US" dirty="0"/>
+              <a:t> </a:t>
+            </a:r>
+            <a:r>
+              <a:rPr lang="en-US" dirty="0">
+                <a:hlinkClick r:id="rId4"/>
+              </a:rPr>
+              <a:t>http://localhost</a:t>
+            </a:r>
+            <a:r>
+              <a:rPr lang="en-US" dirty="0"/>
+              <a:t>, you told your browser to retrieve the </a:t>
+            </a:r>
+            <a:r>
+              <a:rPr lang="en-US" b="1" dirty="0"/>
+              <a:t>page</a:t>
+            </a:r>
+            <a:r>
+              <a:rPr lang="en-US" dirty="0"/>
+              <a:t> located at the root of that server</a:t>
+            </a:r>
+          </a:p>
+          <a:p>
+            <a:pPr marL="285750" indent="-285750">
+              <a:buFont typeface="Arial" panose="020B0604020202020204" pitchFamily="34" charset="0"/>
+              <a:buChar char="•"/>
+            </a:pPr>
+            <a:r>
+              <a:rPr lang="en-US" dirty="0"/>
+              <a:t>The server returned the default file </a:t>
+            </a:r>
+            <a:r>
+              <a:rPr lang="en-US" b="1" dirty="0" err="1"/>
+              <a:t>index.html</a:t>
+            </a:r>
+            <a:r>
+              <a:rPr lang="en-US" dirty="0"/>
+              <a:t> with the HTML tags in it.</a:t>
+            </a:r>
+            <a:endParaRPr lang="en-US" b="1" dirty="0"/>
+          </a:p>
+          <a:p>
+            <a:pPr marL="285750" indent="-285750">
+              <a:buFont typeface="Arial" panose="020B0604020202020204" pitchFamily="34" charset="0"/>
+              <a:buChar char="•"/>
+            </a:pPr>
+            <a:r>
+              <a:rPr lang="en-US" dirty="0"/>
+              <a:t>The browser transformed the tags in a table with the </a:t>
+            </a:r>
+            <a:r>
+              <a:rPr lang="en-US" dirty="0" err="1"/>
+              <a:t>todo</a:t>
+            </a:r>
+            <a:r>
+              <a:rPr lang="en-US" dirty="0"/>
+              <a:t> items.</a:t>
+            </a:r>
+          </a:p>
+        </p:txBody>
+      </p:sp>
+    </p:spTree>
+    <p:extLst>
+      <p:ext uri="{BB962C8B-B14F-4D97-AF65-F5344CB8AC3E}">
+        <p14:creationId xmlns:p14="http://schemas.microsoft.com/office/powerpoint/2010/main" val="3778284198"/>
+      </p:ext>
+    </p:extLst>
+  </p:cSld>
+  <p:clrMapOvr>
+    <a:masterClrMapping/>
+  </p:clrMapOvr>
+</p:sld>
+</file>
+
+<file path=ppt/slides/slide8.xml><?xml version="1.0" encoding="utf-8"?>
+<p:sld xmlns:a="http://schemas.openxmlformats.org/drawingml/2006/main" xmlns:r="http://schemas.openxmlformats.org/officeDocument/2006/relationships" xmlns:p="http://schemas.openxmlformats.org/presentationml/2006/main">
+  <p:cSld>
+    <p:spTree>
+      <p:nvGrpSpPr>
+        <p:cNvPr id="1" name=""/>
+        <p:cNvGrpSpPr/>
+        <p:nvPr/>
+      </p:nvGrpSpPr>
+      <p:grpSpPr>
+        <a:xfrm>
+          <a:off x="0" y="0"/>
+          <a:ext cx="0" cy="0"/>
+          <a:chOff x="0" y="0"/>
+          <a:chExt cx="0" cy="0"/>
+        </a:xfrm>
+      </p:grpSpPr>
+      <p:sp>
+        <p:nvSpPr>
+          <p:cNvPr id="2" name="Title 1">
+            <a:extLst>
+              <a:ext uri="{FF2B5EF4-FFF2-40B4-BE49-F238E27FC236}">
+                <a16:creationId xmlns:a16="http://schemas.microsoft.com/office/drawing/2014/main" id="{F94FF996-4E65-26E9-3D5F-A0E3B9095C2A}"/>
+              </a:ext>
+            </a:extLst>
+          </p:cNvPr>
+          <p:cNvSpPr>
+            <a:spLocks noGrp="1"/>
+          </p:cNvSpPr>
+          <p:nvPr>
+            <p:ph type="title"/>
+          </p:nvPr>
+        </p:nvSpPr>
+        <p:spPr/>
+        <p:txBody>
+          <a:bodyPr/>
+          <a:lstStyle/>
+          <a:p>
+            <a:r>
+              <a:rPr lang="en-US" dirty="0" err="1"/>
+              <a:t>Url</a:t>
+            </a:r>
+            <a:r>
+              <a:rPr lang="en-US" dirty="0"/>
+              <a:t>, hosts, pages,</a:t>
+            </a:r>
+          </a:p>
+        </p:txBody>
+      </p:sp>
+      <p:graphicFrame>
+        <p:nvGraphicFramePr>
+          <p:cNvPr id="4" name="Content Placeholder 3">
+            <a:extLst>
+              <a:ext uri="{FF2B5EF4-FFF2-40B4-BE49-F238E27FC236}">
+                <a16:creationId xmlns:a16="http://schemas.microsoft.com/office/drawing/2014/main" id="{018243A1-D901-3C32-8B26-BE4282836440}"/>
+              </a:ext>
+            </a:extLst>
+          </p:cNvPr>
+          <p:cNvGraphicFramePr>
+            <a:graphicFrameLocks noGrp="1"/>
+          </p:cNvGraphicFramePr>
+          <p:nvPr>
+            <p:ph idx="1"/>
+            <p:extLst>
+              <p:ext uri="{D42A27DB-BD31-4B8C-83A1-F6EECF244321}">
+                <p14:modId xmlns:p14="http://schemas.microsoft.com/office/powerpoint/2010/main" val="3525049419"/>
+              </p:ext>
+            </p:extLst>
+          </p:nvPr>
+        </p:nvGraphicFramePr>
+        <p:xfrm>
+          <a:off x="356153" y="3303587"/>
+          <a:ext cx="11479694" cy="3302000"/>
+        </p:xfrm>
+        <a:graphic>
+          <a:graphicData uri="http://schemas.openxmlformats.org/drawingml/2006/table">
+            <a:tbl>
+              <a:tblPr firstRow="1" bandRow="1">
+                <a:tableStyleId>{5C22544A-7EE6-4342-B048-85BDC9FD1C3A}</a:tableStyleId>
+              </a:tblPr>
+              <a:tblGrid>
+                <a:gridCol w="763274">
+                  <a:extLst>
+                    <a:ext uri="{9D8B030D-6E8A-4147-A177-3AD203B41FA5}">
+                      <a16:colId xmlns:a16="http://schemas.microsoft.com/office/drawing/2014/main" val="4068092805"/>
+                    </a:ext>
+                  </a:extLst>
+                </a:gridCol>
+                <a:gridCol w="3550308">
+                  <a:extLst>
+                    <a:ext uri="{9D8B030D-6E8A-4147-A177-3AD203B41FA5}">
+                      <a16:colId xmlns:a16="http://schemas.microsoft.com/office/drawing/2014/main" val="3633345334"/>
+                    </a:ext>
+                  </a:extLst>
+                </a:gridCol>
+                <a:gridCol w="7166112">
+                  <a:extLst>
+                    <a:ext uri="{9D8B030D-6E8A-4147-A177-3AD203B41FA5}">
+                      <a16:colId xmlns:a16="http://schemas.microsoft.com/office/drawing/2014/main" val="1767875966"/>
+                    </a:ext>
+                  </a:extLst>
+                </a:gridCol>
+              </a:tblGrid>
+              <a:tr h="370840">
+                <a:tc>
+                  <a:txBody>
+                    <a:bodyPr/>
+                    <a:lstStyle/>
+                    <a:p>
+                      <a:r>
+                        <a:rPr lang="en-US" dirty="0"/>
+                        <a:t>Nr.</a:t>
+                      </a:r>
+                    </a:p>
+                  </a:txBody>
+                  <a:tcPr/>
+                </a:tc>
+                <a:tc>
+                  <a:txBody>
+                    <a:bodyPr/>
+                    <a:lstStyle/>
+                    <a:p>
+                      <a:r>
+                        <a:rPr lang="en-US" dirty="0"/>
+                        <a:t>URL</a:t>
+                      </a:r>
+                    </a:p>
+                  </a:txBody>
+                  <a:tcPr/>
+                </a:tc>
+                <a:tc>
+                  <a:txBody>
+                    <a:bodyPr/>
+                    <a:lstStyle/>
+                    <a:p>
+                      <a:r>
+                        <a:rPr lang="en-US" dirty="0"/>
+                        <a:t>Result</a:t>
+                      </a:r>
+                    </a:p>
+                  </a:txBody>
+                  <a:tcPr/>
+                </a:tc>
+                <a:extLst>
+                  <a:ext uri="{0D108BD9-81ED-4DB2-BD59-A6C34878D82A}">
+                    <a16:rowId xmlns:a16="http://schemas.microsoft.com/office/drawing/2014/main" val="3889973766"/>
+                  </a:ext>
+                </a:extLst>
+              </a:tr>
+              <a:tr h="370840">
+                <a:tc>
+                  <a:txBody>
+                    <a:bodyPr/>
+                    <a:lstStyle/>
+                    <a:p>
+                      <a:r>
+                        <a:rPr lang="en-US" dirty="0"/>
+                        <a:t>1</a:t>
+                      </a:r>
+                    </a:p>
+                  </a:txBody>
+                  <a:tcPr/>
+                </a:tc>
+                <a:tc>
+                  <a:txBody>
+                    <a:bodyPr/>
+                    <a:lstStyle/>
+                    <a:p>
+                      <a:r>
+                        <a:rPr lang="en-US" dirty="0"/>
+                        <a:t>http://localhost</a:t>
+                      </a:r>
+                    </a:p>
+                  </a:txBody>
+                  <a:tcPr/>
+                </a:tc>
+                <a:tc>
+                  <a:txBody>
+                    <a:bodyPr/>
+                    <a:lstStyle/>
+                    <a:p>
+                      <a:pPr marL="0" marR="0" lvl="0" indent="0" algn="l" defTabSz="914400" rtl="0" eaLnBrk="1" fontAlgn="auto" latinLnBrk="0" hangingPunct="1">
+                        <a:lnSpc>
+                          <a:spcPct val="100000"/>
+                        </a:lnSpc>
+                        <a:spcBef>
+                          <a:spcPts val="0"/>
+                        </a:spcBef>
+                        <a:spcAft>
+                          <a:spcPts val="0"/>
+                        </a:spcAft>
+                        <a:buClrTx/>
+                        <a:buSzTx/>
+                        <a:buFontTx/>
+                        <a:buNone/>
+                        <a:tabLst/>
+                        <a:defRPr/>
+                      </a:pPr>
+                      <a:r>
+                        <a:rPr lang="en-US" dirty="0"/>
+                        <a:t>Same as 2</a:t>
+                      </a:r>
+                    </a:p>
+                  </a:txBody>
+                  <a:tcPr/>
+                </a:tc>
+                <a:extLst>
+                  <a:ext uri="{0D108BD9-81ED-4DB2-BD59-A6C34878D82A}">
+                    <a16:rowId xmlns:a16="http://schemas.microsoft.com/office/drawing/2014/main" val="1071785857"/>
+                  </a:ext>
+                </a:extLst>
+              </a:tr>
+              <a:tr h="370840">
+                <a:tc>
+                  <a:txBody>
+                    <a:bodyPr/>
+                    <a:lstStyle/>
+                    <a:p>
+                      <a:pPr marL="0" marR="0" lvl="0" indent="0" algn="l" defTabSz="914400" rtl="0" eaLnBrk="1" fontAlgn="auto" latinLnBrk="0" hangingPunct="1">
+                        <a:lnSpc>
+                          <a:spcPct val="100000"/>
+                        </a:lnSpc>
+                        <a:spcBef>
+                          <a:spcPts val="0"/>
+                        </a:spcBef>
+                        <a:spcAft>
+                          <a:spcPts val="0"/>
+                        </a:spcAft>
+                        <a:buClrTx/>
+                        <a:buSzTx/>
+                        <a:buFontTx/>
+                        <a:buNone/>
+                        <a:tabLst/>
+                        <a:defRPr/>
+                      </a:pPr>
+                      <a:r>
+                        <a:rPr lang="en-US" dirty="0"/>
+                        <a:t>2</a:t>
+                      </a:r>
+                    </a:p>
+                  </a:txBody>
+                  <a:tcPr/>
+                </a:tc>
+                <a:tc>
+                  <a:txBody>
+                    <a:bodyPr/>
+                    <a:lstStyle/>
+                    <a:p>
+                      <a:pPr marL="0" marR="0" lvl="0" indent="0" algn="l" defTabSz="914400" rtl="0" eaLnBrk="1" fontAlgn="auto" latinLnBrk="0" hangingPunct="1">
+                        <a:lnSpc>
+                          <a:spcPct val="100000"/>
+                        </a:lnSpc>
+                        <a:spcBef>
+                          <a:spcPts val="0"/>
+                        </a:spcBef>
+                        <a:spcAft>
+                          <a:spcPts val="0"/>
+                        </a:spcAft>
+                        <a:buClrTx/>
+                        <a:buSzTx/>
+                        <a:buFontTx/>
+                        <a:buNone/>
+                        <a:tabLst/>
+                        <a:defRPr/>
+                      </a:pPr>
+                      <a:r>
+                        <a:rPr lang="en-US" dirty="0"/>
+                        <a:t>http://localhost/</a:t>
+                      </a:r>
+                    </a:p>
+                  </a:txBody>
+                  <a:tcPr/>
+                </a:tc>
+                <a:tc>
+                  <a:txBody>
+                    <a:bodyPr/>
+                    <a:lstStyle/>
+                    <a:p>
+                      <a:r>
+                        <a:rPr lang="en-US" dirty="0"/>
+                        <a:t>Request the default path at the </a:t>
+                      </a:r>
+                      <a:r>
+                        <a:rPr lang="en-US" b="1" dirty="0"/>
+                        <a:t>root</a:t>
+                      </a:r>
+                      <a:r>
+                        <a:rPr lang="en-US" b="0" dirty="0"/>
+                        <a:t> of the server named </a:t>
+                      </a:r>
+                      <a:r>
+                        <a:rPr lang="en-US" b="1" dirty="0"/>
+                        <a:t>localhost</a:t>
+                      </a:r>
+                      <a:r>
+                        <a:rPr lang="en-US" b="0" dirty="0"/>
+                        <a:t>. Most servers will reply with the file named </a:t>
+                      </a:r>
+                      <a:r>
+                        <a:rPr lang="en-US" b="1" dirty="0" err="1"/>
+                        <a:t>index.html</a:t>
+                      </a:r>
+                      <a:r>
+                        <a:rPr lang="en-US" b="1" dirty="0"/>
+                        <a:t> </a:t>
+                      </a:r>
+                      <a:r>
+                        <a:rPr lang="en-US" b="0" dirty="0"/>
+                        <a:t>or </a:t>
+                      </a:r>
+                      <a:r>
+                        <a:rPr lang="en-US" b="1" dirty="0" err="1"/>
+                        <a:t>index.php</a:t>
+                      </a:r>
+                      <a:r>
+                        <a:rPr lang="en-US" b="0" dirty="0"/>
+                        <a:t>.</a:t>
+                      </a:r>
+                    </a:p>
+                  </a:txBody>
+                  <a:tcPr/>
+                </a:tc>
+                <a:extLst>
+                  <a:ext uri="{0D108BD9-81ED-4DB2-BD59-A6C34878D82A}">
+                    <a16:rowId xmlns:a16="http://schemas.microsoft.com/office/drawing/2014/main" val="1249482033"/>
+                  </a:ext>
+                </a:extLst>
+              </a:tr>
+              <a:tr h="370840">
+                <a:tc>
+                  <a:txBody>
+                    <a:bodyPr/>
+                    <a:lstStyle/>
+                    <a:p>
+                      <a:pPr marL="0" marR="0" lvl="0" indent="0" algn="l" defTabSz="914400" rtl="0" eaLnBrk="1" fontAlgn="auto" latinLnBrk="0" hangingPunct="1">
+                        <a:lnSpc>
+                          <a:spcPct val="100000"/>
+                        </a:lnSpc>
+                        <a:spcBef>
+                          <a:spcPts val="0"/>
+                        </a:spcBef>
+                        <a:spcAft>
+                          <a:spcPts val="0"/>
+                        </a:spcAft>
+                        <a:buClrTx/>
+                        <a:buSzTx/>
+                        <a:buFontTx/>
+                        <a:buNone/>
+                        <a:tabLst/>
+                        <a:defRPr/>
+                      </a:pPr>
+                      <a:r>
+                        <a:rPr lang="en-US" dirty="0"/>
+                        <a:t>3</a:t>
+                      </a:r>
+                    </a:p>
+                  </a:txBody>
+                  <a:tcPr/>
+                </a:tc>
+                <a:tc>
+                  <a:txBody>
+                    <a:bodyPr/>
+                    <a:lstStyle/>
+                    <a:p>
+                      <a:pPr marL="0" marR="0" lvl="0" indent="0" algn="l" defTabSz="914400" rtl="0" eaLnBrk="1" fontAlgn="auto" latinLnBrk="0" hangingPunct="1">
+                        <a:lnSpc>
+                          <a:spcPct val="100000"/>
+                        </a:lnSpc>
+                        <a:spcBef>
+                          <a:spcPts val="0"/>
+                        </a:spcBef>
+                        <a:spcAft>
+                          <a:spcPts val="0"/>
+                        </a:spcAft>
+                        <a:buClrTx/>
+                        <a:buSzTx/>
+                        <a:buFontTx/>
+                        <a:buNone/>
+                        <a:tabLst/>
+                        <a:defRPr/>
+                      </a:pPr>
+                      <a:r>
+                        <a:rPr lang="en-US" dirty="0"/>
+                        <a:t>http://localhost/</a:t>
+                      </a:r>
+                      <a:r>
+                        <a:rPr lang="en-US" dirty="0" err="1"/>
+                        <a:t>index.html</a:t>
+                      </a:r>
+                      <a:endParaRPr lang="en-US" dirty="0"/>
+                    </a:p>
+                  </a:txBody>
+                  <a:tcPr/>
+                </a:tc>
+                <a:tc>
+                  <a:txBody>
+                    <a:bodyPr/>
+                    <a:lstStyle/>
+                    <a:p>
+                      <a:r>
+                        <a:rPr lang="en-US" dirty="0"/>
+                        <a:t>Request the </a:t>
+                      </a:r>
+                      <a:r>
+                        <a:rPr lang="en-US" b="1" dirty="0"/>
+                        <a:t>file </a:t>
+                      </a:r>
+                      <a:r>
+                        <a:rPr lang="en-US" b="1" dirty="0" err="1"/>
+                        <a:t>index.html</a:t>
+                      </a:r>
+                      <a:r>
+                        <a:rPr lang="en-US" b="1" dirty="0"/>
+                        <a:t> </a:t>
+                      </a:r>
+                      <a:r>
+                        <a:rPr lang="en-US" dirty="0"/>
+                        <a:t>at the root of the server (effectively the same as 2)</a:t>
+                      </a:r>
+                    </a:p>
+                  </a:txBody>
+                  <a:tcPr/>
+                </a:tc>
+                <a:extLst>
+                  <a:ext uri="{0D108BD9-81ED-4DB2-BD59-A6C34878D82A}">
+                    <a16:rowId xmlns:a16="http://schemas.microsoft.com/office/drawing/2014/main" val="3697141206"/>
+                  </a:ext>
+                </a:extLst>
+              </a:tr>
+              <a:tr h="370840">
+                <a:tc>
+                  <a:txBody>
+                    <a:bodyPr/>
+                    <a:lstStyle/>
+                    <a:p>
+                      <a:pPr marL="0" marR="0" lvl="0" indent="0" algn="l" defTabSz="914400" rtl="0" eaLnBrk="1" fontAlgn="auto" latinLnBrk="0" hangingPunct="1">
+                        <a:lnSpc>
+                          <a:spcPct val="100000"/>
+                        </a:lnSpc>
+                        <a:spcBef>
+                          <a:spcPts val="0"/>
+                        </a:spcBef>
+                        <a:spcAft>
+                          <a:spcPts val="0"/>
+                        </a:spcAft>
+                        <a:buClrTx/>
+                        <a:buSzTx/>
+                        <a:buFontTx/>
+                        <a:buNone/>
+                        <a:tabLst/>
+                        <a:defRPr/>
+                      </a:pPr>
+                      <a:r>
+                        <a:rPr lang="en-US" dirty="0"/>
+                        <a:t>4</a:t>
+                      </a:r>
+                    </a:p>
+                  </a:txBody>
+                  <a:tcPr/>
+                </a:tc>
+                <a:tc>
+                  <a:txBody>
+                    <a:bodyPr/>
+                    <a:lstStyle/>
+                    <a:p>
+                      <a:pPr marL="0" marR="0" lvl="0" indent="0" algn="l" defTabSz="914400" rtl="0" eaLnBrk="1" fontAlgn="auto" latinLnBrk="0" hangingPunct="1">
+                        <a:lnSpc>
+                          <a:spcPct val="100000"/>
+                        </a:lnSpc>
+                        <a:spcBef>
+                          <a:spcPts val="0"/>
+                        </a:spcBef>
+                        <a:spcAft>
+                          <a:spcPts val="0"/>
+                        </a:spcAft>
+                        <a:buClrTx/>
+                        <a:buSzTx/>
+                        <a:buFontTx/>
+                        <a:buNone/>
+                        <a:tabLst/>
+                        <a:defRPr/>
+                      </a:pPr>
+                      <a:r>
+                        <a:rPr lang="en-US" dirty="0"/>
+                        <a:t>http://localhost/user/</a:t>
+                      </a:r>
+                      <a:r>
+                        <a:rPr lang="en-US" dirty="0" err="1"/>
+                        <a:t>profile.html</a:t>
+                      </a:r>
+                      <a:endParaRPr lang="en-US" dirty="0"/>
+                    </a:p>
+                  </a:txBody>
+                  <a:tcPr/>
+                </a:tc>
+                <a:tc>
+                  <a:txBody>
+                    <a:bodyPr/>
+                    <a:lstStyle/>
+                    <a:p>
+                      <a:r>
+                        <a:rPr lang="en-US" dirty="0"/>
+                        <a:t>Request the file </a:t>
+                      </a:r>
+                      <a:r>
+                        <a:rPr lang="en-US" b="1" dirty="0" err="1"/>
+                        <a:t>profile.html</a:t>
+                      </a:r>
+                      <a:r>
+                        <a:rPr lang="en-US" dirty="0"/>
+                        <a:t> in the folder </a:t>
+                      </a:r>
+                      <a:r>
+                        <a:rPr lang="en-US" b="1" dirty="0"/>
+                        <a:t>user</a:t>
+                      </a:r>
+                      <a:r>
+                        <a:rPr lang="en-US" dirty="0"/>
+                        <a:t> at the server named </a:t>
+                      </a:r>
+                      <a:r>
+                        <a:rPr lang="en-US" b="1" dirty="0"/>
+                        <a:t>localhost</a:t>
+                      </a:r>
+                      <a:r>
+                        <a:rPr lang="en-US" dirty="0"/>
+                        <a:t>.</a:t>
+                      </a:r>
+                    </a:p>
+                  </a:txBody>
+                  <a:tcPr/>
+                </a:tc>
+                <a:extLst>
+                  <a:ext uri="{0D108BD9-81ED-4DB2-BD59-A6C34878D82A}">
+                    <a16:rowId xmlns:a16="http://schemas.microsoft.com/office/drawing/2014/main" val="1626530894"/>
+                  </a:ext>
+                </a:extLst>
+              </a:tr>
+              <a:tr h="370840">
+                <a:tc>
+                  <a:txBody>
+                    <a:bodyPr/>
+                    <a:lstStyle/>
+                    <a:p>
+                      <a:pPr marL="0" marR="0" lvl="0" indent="0" algn="l" defTabSz="914400" rtl="0" eaLnBrk="1" fontAlgn="auto" latinLnBrk="0" hangingPunct="1">
+                        <a:lnSpc>
+                          <a:spcPct val="100000"/>
+                        </a:lnSpc>
+                        <a:spcBef>
+                          <a:spcPts val="0"/>
+                        </a:spcBef>
+                        <a:spcAft>
+                          <a:spcPts val="0"/>
+                        </a:spcAft>
+                        <a:buClrTx/>
+                        <a:buSzTx/>
+                        <a:buFontTx/>
+                        <a:buNone/>
+                        <a:tabLst/>
+                        <a:defRPr/>
+                      </a:pPr>
+                      <a:r>
+                        <a:rPr lang="en-US" dirty="0"/>
+                        <a:t>5</a:t>
+                      </a:r>
+                    </a:p>
+                  </a:txBody>
+                  <a:tcPr/>
+                </a:tc>
+                <a:tc>
+                  <a:txBody>
+                    <a:bodyPr/>
+                    <a:lstStyle/>
+                    <a:p>
+                      <a:pPr marL="0" marR="0" lvl="0" indent="0" algn="l" defTabSz="914400" rtl="0" eaLnBrk="1" fontAlgn="auto" latinLnBrk="0" hangingPunct="1">
+                        <a:lnSpc>
+                          <a:spcPct val="100000"/>
+                        </a:lnSpc>
+                        <a:spcBef>
+                          <a:spcPts val="0"/>
+                        </a:spcBef>
+                        <a:spcAft>
+                          <a:spcPts val="0"/>
+                        </a:spcAft>
+                        <a:buClrTx/>
+                        <a:buSzTx/>
+                        <a:buFontTx/>
+                        <a:buNone/>
+                        <a:tabLst/>
+                        <a:defRPr/>
+                      </a:pPr>
+                      <a:r>
+                        <a:rPr lang="en-US" dirty="0"/>
+                        <a:t>http://</a:t>
+                      </a:r>
+                      <a:r>
+                        <a:rPr lang="en-US" dirty="0" err="1"/>
+                        <a:t>bbc.co.uk</a:t>
+                      </a:r>
+                      <a:r>
+                        <a:rPr lang="en-US" dirty="0"/>
+                        <a:t>/weather/today</a:t>
+                      </a:r>
+                    </a:p>
+                  </a:txBody>
+                  <a:tcPr/>
+                </a:tc>
+                <a:tc>
+                  <a:txBody>
+                    <a:bodyPr/>
+                    <a:lstStyle/>
+                    <a:p>
+                      <a:r>
+                        <a:rPr lang="en-US" dirty="0"/>
+                        <a:t>Request a file named </a:t>
+                      </a:r>
+                      <a:r>
+                        <a:rPr lang="en-US" b="1" dirty="0"/>
+                        <a:t>today</a:t>
+                      </a:r>
+                      <a:r>
+                        <a:rPr lang="en-US" dirty="0"/>
+                        <a:t> in the folder </a:t>
+                      </a:r>
+                      <a:r>
+                        <a:rPr lang="en-US" b="1" dirty="0"/>
+                        <a:t>weather</a:t>
+                      </a:r>
+                      <a:r>
+                        <a:rPr lang="en-US" dirty="0"/>
+                        <a:t> at the server </a:t>
+                      </a:r>
+                      <a:r>
+                        <a:rPr lang="en-US" b="1" dirty="0" err="1"/>
+                        <a:t>bbc.co.uk</a:t>
+                      </a:r>
+                      <a:r>
+                        <a:rPr lang="en-US" dirty="0"/>
+                        <a:t>.</a:t>
+                      </a:r>
+                    </a:p>
+                  </a:txBody>
+                  <a:tcPr/>
+                </a:tc>
+                <a:extLst>
+                  <a:ext uri="{0D108BD9-81ED-4DB2-BD59-A6C34878D82A}">
+                    <a16:rowId xmlns:a16="http://schemas.microsoft.com/office/drawing/2014/main" val="2406020339"/>
+                  </a:ext>
+                </a:extLst>
+              </a:tr>
+            </a:tbl>
+          </a:graphicData>
+        </a:graphic>
+      </p:graphicFrame>
+      <p:grpSp>
+        <p:nvGrpSpPr>
+          <p:cNvPr id="17" name="Group 16">
+            <a:extLst>
+              <a:ext uri="{FF2B5EF4-FFF2-40B4-BE49-F238E27FC236}">
+                <a16:creationId xmlns:a16="http://schemas.microsoft.com/office/drawing/2014/main" id="{B1741630-5137-8E3A-ADA7-495F8FFF3D61}"/>
+              </a:ext>
+            </a:extLst>
+          </p:cNvPr>
+          <p:cNvGrpSpPr/>
+          <p:nvPr/>
+        </p:nvGrpSpPr>
+        <p:grpSpPr>
+          <a:xfrm>
+            <a:off x="1476204" y="1542098"/>
+            <a:ext cx="8767827" cy="1761489"/>
+            <a:chOff x="1476204" y="1542098"/>
+            <a:chExt cx="8767827" cy="1761489"/>
+          </a:xfrm>
+        </p:grpSpPr>
+        <p:sp>
+          <p:nvSpPr>
+            <p:cNvPr id="5" name="TextBox 4">
+              <a:extLst>
+                <a:ext uri="{FF2B5EF4-FFF2-40B4-BE49-F238E27FC236}">
+                  <a16:creationId xmlns:a16="http://schemas.microsoft.com/office/drawing/2014/main" id="{B00C7CAC-6C33-3871-C53C-19B69C3EBB60}"/>
+                </a:ext>
+              </a:extLst>
+            </p:cNvPr>
+            <p:cNvSpPr txBox="1"/>
+            <p:nvPr/>
+          </p:nvSpPr>
+          <p:spPr>
+            <a:xfrm>
+              <a:off x="2328594" y="1542098"/>
+              <a:ext cx="7915437" cy="369332"/>
+            </a:xfrm>
+            <a:prstGeom prst="rect">
+              <a:avLst/>
+            </a:prstGeom>
+            <a:noFill/>
+          </p:spPr>
+          <p:txBody>
+            <a:bodyPr wrap="none" rtlCol="0">
+              <a:spAutoFit/>
+            </a:bodyPr>
+            <a:lstStyle/>
+            <a:p>
+              <a:r>
+                <a:rPr lang="en-US" dirty="0"/>
+                <a:t>http :// </a:t>
+              </a:r>
+              <a:r>
+                <a:rPr lang="en-US" dirty="0" err="1"/>
+                <a:t>bbc.co.uk</a:t>
+              </a:r>
+              <a:r>
+                <a:rPr lang="en-US" dirty="0"/>
+                <a:t> / article / some-interesting-</a:t>
+              </a:r>
+              <a:r>
+                <a:rPr lang="en-US" dirty="0" err="1"/>
+                <a:t>article.html</a:t>
+              </a:r>
+              <a:r>
+                <a:rPr lang="en-US" dirty="0"/>
+                <a:t> ? foo=</a:t>
+              </a:r>
+              <a:r>
+                <a:rPr lang="en-US" dirty="0" err="1"/>
+                <a:t>bar&amp;mode</a:t>
+              </a:r>
+              <a:r>
+                <a:rPr lang="en-US" dirty="0"/>
+                <a:t>=</a:t>
+              </a:r>
+              <a:r>
+                <a:rPr lang="en-US" dirty="0" err="1"/>
+                <a:t>xyz</a:t>
+              </a:r>
+              <a:endParaRPr lang="en-US" dirty="0"/>
+            </a:p>
+          </p:txBody>
+        </p:sp>
+        <p:sp>
+          <p:nvSpPr>
+            <p:cNvPr id="6" name="TextBox 5">
+              <a:extLst>
+                <a:ext uri="{FF2B5EF4-FFF2-40B4-BE49-F238E27FC236}">
+                  <a16:creationId xmlns:a16="http://schemas.microsoft.com/office/drawing/2014/main" id="{94F46389-2217-A84B-109B-556A574B91F0}"/>
+                </a:ext>
+              </a:extLst>
+            </p:cNvPr>
+            <p:cNvSpPr txBox="1"/>
+            <p:nvPr/>
+          </p:nvSpPr>
+          <p:spPr>
+            <a:xfrm>
+              <a:off x="1476204" y="2382338"/>
+              <a:ext cx="1370888" cy="646331"/>
+            </a:xfrm>
+            <a:prstGeom prst="rect">
+              <a:avLst/>
+            </a:prstGeom>
+            <a:noFill/>
+          </p:spPr>
+          <p:txBody>
+            <a:bodyPr wrap="none" rtlCol="0">
+              <a:spAutoFit/>
+            </a:bodyPr>
+            <a:lstStyle/>
+            <a:p>
+              <a:pPr algn="ctr"/>
+              <a:r>
+                <a:rPr lang="en-US" dirty="0"/>
+                <a:t>Protocol </a:t>
+              </a:r>
+            </a:p>
+            <a:p>
+              <a:pPr algn="ctr"/>
+              <a:r>
+                <a:rPr lang="en-US" dirty="0"/>
+                <a:t>(or scheme)</a:t>
+              </a:r>
+            </a:p>
+          </p:txBody>
+        </p:sp>
+        <p:sp>
+          <p:nvSpPr>
+            <p:cNvPr id="7" name="TextBox 6">
+              <a:extLst>
+                <a:ext uri="{FF2B5EF4-FFF2-40B4-BE49-F238E27FC236}">
+                  <a16:creationId xmlns:a16="http://schemas.microsoft.com/office/drawing/2014/main" id="{55D622ED-7035-BA9B-2CA9-5E03E147A25B}"/>
+                </a:ext>
+              </a:extLst>
+            </p:cNvPr>
+            <p:cNvSpPr txBox="1"/>
+            <p:nvPr/>
+          </p:nvSpPr>
+          <p:spPr>
+            <a:xfrm>
+              <a:off x="3012787" y="2380257"/>
+              <a:ext cx="1260281" cy="923330"/>
+            </a:xfrm>
+            <a:prstGeom prst="rect">
+              <a:avLst/>
+            </a:prstGeom>
+            <a:noFill/>
+          </p:spPr>
+          <p:txBody>
+            <a:bodyPr wrap="none" rtlCol="0">
+              <a:spAutoFit/>
+            </a:bodyPr>
+            <a:lstStyle/>
+            <a:p>
+              <a:pPr algn="ctr"/>
+              <a:r>
+                <a:rPr lang="en-US" dirty="0"/>
+                <a:t>Host </a:t>
+              </a:r>
+            </a:p>
+            <a:p>
+              <a:pPr algn="ctr"/>
+              <a:r>
+                <a:rPr lang="en-US" dirty="0"/>
+                <a:t>(or server </a:t>
+              </a:r>
+            </a:p>
+            <a:p>
+              <a:pPr algn="ctr"/>
+              <a:r>
+                <a:rPr lang="en-US" dirty="0"/>
+                <a:t>or domain)</a:t>
+              </a:r>
+            </a:p>
+          </p:txBody>
+        </p:sp>
+        <p:sp>
+          <p:nvSpPr>
+            <p:cNvPr id="8" name="TextBox 7">
+              <a:extLst>
+                <a:ext uri="{FF2B5EF4-FFF2-40B4-BE49-F238E27FC236}">
+                  <a16:creationId xmlns:a16="http://schemas.microsoft.com/office/drawing/2014/main" id="{3BA8D1A0-7E05-58AE-DB0E-B00D03CB2844}"/>
+                </a:ext>
+              </a:extLst>
+            </p:cNvPr>
+            <p:cNvSpPr txBox="1"/>
+            <p:nvPr/>
+          </p:nvSpPr>
+          <p:spPr>
+            <a:xfrm>
+              <a:off x="5796124" y="2382918"/>
+              <a:ext cx="637867" cy="369332"/>
+            </a:xfrm>
+            <a:prstGeom prst="rect">
+              <a:avLst/>
+            </a:prstGeom>
+            <a:noFill/>
+          </p:spPr>
+          <p:txBody>
+            <a:bodyPr wrap="none" rtlCol="0">
+              <a:spAutoFit/>
+            </a:bodyPr>
+            <a:lstStyle/>
+            <a:p>
+              <a:r>
+                <a:rPr lang="en-US" dirty="0"/>
+                <a:t>Path</a:t>
+              </a:r>
+            </a:p>
+          </p:txBody>
+        </p:sp>
+        <p:sp>
+          <p:nvSpPr>
+            <p:cNvPr id="9" name="TextBox 8">
+              <a:extLst>
+                <a:ext uri="{FF2B5EF4-FFF2-40B4-BE49-F238E27FC236}">
+                  <a16:creationId xmlns:a16="http://schemas.microsoft.com/office/drawing/2014/main" id="{48D28E3E-85BA-48B2-A862-DFED4758EB65}"/>
+                </a:ext>
+              </a:extLst>
+            </p:cNvPr>
+            <p:cNvSpPr txBox="1"/>
+            <p:nvPr/>
+          </p:nvSpPr>
+          <p:spPr>
+            <a:xfrm>
+              <a:off x="8229589" y="2382918"/>
+              <a:ext cx="1982851" cy="369332"/>
+            </a:xfrm>
+            <a:prstGeom prst="rect">
+              <a:avLst/>
+            </a:prstGeom>
+            <a:noFill/>
+          </p:spPr>
+          <p:txBody>
+            <a:bodyPr wrap="none" rtlCol="0">
+              <a:spAutoFit/>
+            </a:bodyPr>
+            <a:lstStyle/>
+            <a:p>
+              <a:r>
+                <a:rPr lang="en-US" dirty="0"/>
+                <a:t>Query parameters</a:t>
+              </a:r>
+            </a:p>
+          </p:txBody>
+        </p:sp>
+        <p:sp>
+          <p:nvSpPr>
+            <p:cNvPr id="13" name="Left Brace 12">
+              <a:extLst>
+                <a:ext uri="{FF2B5EF4-FFF2-40B4-BE49-F238E27FC236}">
+                  <a16:creationId xmlns:a16="http://schemas.microsoft.com/office/drawing/2014/main" id="{32F8A654-4034-B626-CE2B-833E19B37B86}"/>
+                </a:ext>
+              </a:extLst>
+            </p:cNvPr>
+            <p:cNvSpPr/>
+            <p:nvPr/>
+          </p:nvSpPr>
+          <p:spPr>
+            <a:xfrm rot="16200000">
+              <a:off x="5954409" y="213410"/>
+              <a:ext cx="321298" cy="3791761"/>
+            </a:xfrm>
+            <a:prstGeom prst="leftBrace">
+              <a:avLst/>
+            </a:prstGeom>
+          </p:spPr>
+          <p:style>
+            <a:lnRef idx="2">
+              <a:schemeClr val="accent1"/>
+            </a:lnRef>
+            <a:fillRef idx="0">
+              <a:schemeClr val="accent1"/>
+            </a:fillRef>
+            <a:effectRef idx="1">
+              <a:schemeClr val="accent1"/>
+            </a:effectRef>
+            <a:fontRef idx="minor">
+              <a:schemeClr val="tx1"/>
+            </a:fontRef>
+          </p:style>
+          <p:txBody>
+            <a:bodyPr rtlCol="0" anchor="ctr"/>
+            <a:lstStyle/>
+            <a:p>
+              <a:pPr algn="ctr"/>
+              <a:endParaRPr lang="en-US"/>
+            </a:p>
+          </p:txBody>
+        </p:sp>
+        <p:sp>
+          <p:nvSpPr>
+            <p:cNvPr id="14" name="Left Brace 13">
+              <a:extLst>
+                <a:ext uri="{FF2B5EF4-FFF2-40B4-BE49-F238E27FC236}">
+                  <a16:creationId xmlns:a16="http://schemas.microsoft.com/office/drawing/2014/main" id="{E9C98E91-D8B5-6481-8063-B50D35E4666D}"/>
+                </a:ext>
+              </a:extLst>
+            </p:cNvPr>
+            <p:cNvSpPr/>
+            <p:nvPr/>
+          </p:nvSpPr>
+          <p:spPr>
+            <a:xfrm rot="16200000">
+              <a:off x="2427194" y="1822592"/>
+              <a:ext cx="321298" cy="518497"/>
+            </a:xfrm>
+            <a:prstGeom prst="leftBrace">
+              <a:avLst/>
+            </a:prstGeom>
+          </p:spPr>
+          <p:style>
+            <a:lnRef idx="2">
+              <a:schemeClr val="accent1"/>
+            </a:lnRef>
+            <a:fillRef idx="0">
+              <a:schemeClr val="accent1"/>
+            </a:fillRef>
+            <a:effectRef idx="1">
+              <a:schemeClr val="accent1"/>
+            </a:effectRef>
+            <a:fontRef idx="minor">
+              <a:schemeClr val="tx1"/>
+            </a:fontRef>
+          </p:style>
+          <p:txBody>
+            <a:bodyPr rtlCol="0" anchor="ctr"/>
+            <a:lstStyle/>
+            <a:p>
+              <a:pPr algn="ctr"/>
+              <a:endParaRPr lang="en-US"/>
+            </a:p>
+          </p:txBody>
+        </p:sp>
+        <p:sp>
+          <p:nvSpPr>
+            <p:cNvPr id="15" name="Left Brace 14">
+              <a:extLst>
+                <a:ext uri="{FF2B5EF4-FFF2-40B4-BE49-F238E27FC236}">
+                  <a16:creationId xmlns:a16="http://schemas.microsoft.com/office/drawing/2014/main" id="{3E4CAAB2-E501-617B-D764-CB4456FF2DCD}"/>
+                </a:ext>
+              </a:extLst>
+            </p:cNvPr>
+            <p:cNvSpPr/>
+            <p:nvPr/>
+          </p:nvSpPr>
+          <p:spPr>
+            <a:xfrm rot="16200000">
+              <a:off x="3482276" y="1642696"/>
+              <a:ext cx="321298" cy="923878"/>
+            </a:xfrm>
+            <a:prstGeom prst="leftBrace">
+              <a:avLst/>
+            </a:prstGeom>
+          </p:spPr>
+          <p:style>
+            <a:lnRef idx="2">
+              <a:schemeClr val="accent1"/>
+            </a:lnRef>
+            <a:fillRef idx="0">
+              <a:schemeClr val="accent1"/>
+            </a:fillRef>
+            <a:effectRef idx="1">
+              <a:schemeClr val="accent1"/>
+            </a:effectRef>
+            <a:fontRef idx="minor">
+              <a:schemeClr val="tx1"/>
+            </a:fontRef>
+          </p:style>
+          <p:txBody>
+            <a:bodyPr rtlCol="0" anchor="ctr"/>
+            <a:lstStyle/>
+            <a:p>
+              <a:pPr algn="ctr"/>
+              <a:endParaRPr lang="en-US"/>
+            </a:p>
+          </p:txBody>
+        </p:sp>
+        <p:sp>
+          <p:nvSpPr>
+            <p:cNvPr id="16" name="Left Brace 15">
+              <a:extLst>
+                <a:ext uri="{FF2B5EF4-FFF2-40B4-BE49-F238E27FC236}">
+                  <a16:creationId xmlns:a16="http://schemas.microsoft.com/office/drawing/2014/main" id="{F24E1F6C-3AB2-502A-8068-8766CFF5039A}"/>
+                </a:ext>
+              </a:extLst>
+            </p:cNvPr>
+            <p:cNvSpPr/>
+            <p:nvPr/>
+          </p:nvSpPr>
+          <p:spPr>
+            <a:xfrm rot="16200000">
+              <a:off x="9030554" y="1121713"/>
+              <a:ext cx="321298" cy="1982851"/>
+            </a:xfrm>
+            <a:prstGeom prst="leftBrace">
+              <a:avLst/>
+            </a:prstGeom>
+          </p:spPr>
+          <p:style>
+            <a:lnRef idx="2">
+              <a:schemeClr val="accent1"/>
+            </a:lnRef>
+            <a:fillRef idx="0">
+              <a:schemeClr val="accent1"/>
+            </a:fillRef>
+            <a:effectRef idx="1">
+              <a:schemeClr val="accent1"/>
+            </a:effectRef>
+            <a:fontRef idx="minor">
+              <a:schemeClr val="tx1"/>
+            </a:fontRef>
+          </p:style>
+          <p:txBody>
+            <a:bodyPr rtlCol="0" anchor="ctr"/>
+            <a:lstStyle/>
+            <a:p>
+              <a:pPr algn="ctr"/>
+              <a:endParaRPr lang="en-US"/>
+            </a:p>
+          </p:txBody>
+        </p:sp>
+      </p:grpSp>
+    </p:spTree>
+    <p:extLst>
+      <p:ext uri="{BB962C8B-B14F-4D97-AF65-F5344CB8AC3E}">
+        <p14:creationId xmlns:p14="http://schemas.microsoft.com/office/powerpoint/2010/main" val="935667255"/>
+      </p:ext>
+    </p:extLst>
+  </p:cSld>
+  <p:clrMapOvr>
+    <a:masterClrMapping/>
+  </p:clrMapOvr>
+</p:sld>
+</file>
+
+<file path=ppt/slides/slide9.xml><?xml version="1.0" encoding="utf-8"?>
+<p:sld xmlns:a="http://schemas.openxmlformats.org/drawingml/2006/main" xmlns:r="http://schemas.openxmlformats.org/officeDocument/2006/relationships" xmlns:p="http://schemas.openxmlformats.org/presentationml/2006/main">
+  <p:cSld>
+    <p:spTree>
+      <p:nvGrpSpPr>
+        <p:cNvPr id="1" name=""/>
+        <p:cNvGrpSpPr/>
+        <p:nvPr/>
+      </p:nvGrpSpPr>
+      <p:grpSpPr>
+        <a:xfrm>
+          <a:off x="0" y="0"/>
+          <a:ext cx="0" cy="0"/>
+          <a:chOff x="0" y="0"/>
+          <a:chExt cx="0" cy="0"/>
+        </a:xfrm>
+      </p:grpSpPr>
+      <p:sp>
+        <p:nvSpPr>
+          <p:cNvPr id="2" name="Title 1">
+            <a:extLst>
+              <a:ext uri="{FF2B5EF4-FFF2-40B4-BE49-F238E27FC236}">
+                <a16:creationId xmlns:a16="http://schemas.microsoft.com/office/drawing/2014/main" id="{B788D859-F60F-07DE-679D-4FDD8F3FF5C3}"/>
+              </a:ext>
+            </a:extLst>
+          </p:cNvPr>
+          <p:cNvSpPr>
+            <a:spLocks noGrp="1"/>
+          </p:cNvSpPr>
+          <p:nvPr>
+            <p:ph type="title"/>
+          </p:nvPr>
+        </p:nvSpPr>
+        <p:spPr/>
+        <p:txBody>
+          <a:bodyPr/>
+          <a:lstStyle/>
+          <a:p>
+            <a:r>
+              <a:rPr lang="en-US" dirty="0"/>
+              <a:t>HTML – </a:t>
+            </a:r>
+            <a:r>
+              <a:rPr lang="en-US" dirty="0" err="1"/>
+              <a:t>HyperText</a:t>
+            </a:r>
+            <a:r>
+              <a:rPr lang="en-US" dirty="0"/>
+              <a:t> Markup Language</a:t>
+            </a:r>
+          </a:p>
+        </p:txBody>
+      </p:sp>
+      <p:sp>
+        <p:nvSpPr>
+          <p:cNvPr id="3" name="Content Placeholder 2">
+            <a:extLst>
+              <a:ext uri="{FF2B5EF4-FFF2-40B4-BE49-F238E27FC236}">
+                <a16:creationId xmlns:a16="http://schemas.microsoft.com/office/drawing/2014/main" id="{0774304C-CA5A-8188-C2C9-82B42139BD9F}"/>
+              </a:ext>
+            </a:extLst>
+          </p:cNvPr>
+          <p:cNvSpPr>
+            <a:spLocks noGrp="1"/>
+          </p:cNvSpPr>
+          <p:nvPr>
+            <p:ph idx="1"/>
+          </p:nvPr>
+        </p:nvSpPr>
+        <p:spPr/>
+        <p:txBody>
+          <a:bodyPr/>
+          <a:lstStyle/>
+          <a:p>
+            <a:r>
+              <a:rPr lang="en-US" dirty="0"/>
+              <a:t>A standard HTML file is </a:t>
+            </a:r>
+            <a:r>
+              <a:rPr lang="en-US" b="1" dirty="0"/>
+              <a:t>static</a:t>
+            </a:r>
+          </a:p>
+          <a:p>
+            <a:pPr lvl="1"/>
+            <a:r>
+              <a:rPr lang="en-US" dirty="0"/>
+              <a:t>Meaning it stays the same until you modify it by hand</a:t>
+            </a:r>
+          </a:p>
+          <a:p>
+            <a:r>
+              <a:rPr lang="en-US" dirty="0"/>
+              <a:t>When asked, the server just returns the file</a:t>
+            </a:r>
+          </a:p>
+          <a:p>
+            <a:pPr lvl="1"/>
+            <a:r>
+              <a:rPr lang="en-US" dirty="0"/>
+              <a:t>It is always the same result, for everyone</a:t>
+            </a:r>
+          </a:p>
+          <a:p>
+            <a:r>
+              <a:rPr lang="en-US" dirty="0"/>
+              <a:t>For example with HTML, you can’t display the current time</a:t>
+            </a:r>
+          </a:p>
+          <a:p>
+            <a:pPr lvl="1"/>
+            <a:r>
+              <a:rPr lang="en-US" dirty="0"/>
+              <a:t>Because the time changes each second (and thus each request)</a:t>
+            </a:r>
+          </a:p>
+          <a:p>
+            <a:r>
+              <a:rPr lang="en-US" dirty="0"/>
+              <a:t>To do this, you need a </a:t>
+            </a:r>
+            <a:r>
+              <a:rPr lang="en-US" b="1" dirty="0"/>
+              <a:t>dynamic</a:t>
+            </a:r>
+            <a:r>
+              <a:rPr lang="en-US" dirty="0"/>
+              <a:t> language, like PHP</a:t>
+            </a:r>
+          </a:p>
+          <a:p>
+            <a:pPr lvl="1"/>
+            <a:r>
+              <a:rPr lang="en-US" dirty="0"/>
+              <a:t>With a dynamic language, you can change the content of the HTML</a:t>
+            </a:r>
+          </a:p>
+        </p:txBody>
+      </p:sp>
+    </p:spTree>
+    <p:extLst>
+      <p:ext uri="{BB962C8B-B14F-4D97-AF65-F5344CB8AC3E}">
+        <p14:creationId xmlns:p14="http://schemas.microsoft.com/office/powerpoint/2010/main" val="88537811"/>
       </p:ext>
     </p:extLst>
   </p:cSld>
